--- a/Презентация 14.pptx
+++ b/Презентация 14.pptx
@@ -6,13 +6,13 @@
     <p:sldMasterId id="2147483650" r:id="rId3"/>
     <p:sldMasterId id="2147483652" r:id="rId4"/>
     <p:sldMasterId id="2147483654" r:id="rId5"/>
-    <p:sldMasterId id="2147483659" r:id="rId6"/>
-    <p:sldMasterId id="2147483661" r:id="rId7"/>
-    <p:sldMasterId id="2147483663" r:id="rId8"/>
-    <p:sldMasterId id="2147483665" r:id="rId9"/>
-    <p:sldMasterId id="2147483667" r:id="rId10"/>
-    <p:sldMasterId id="2147483669" r:id="rId11"/>
-    <p:sldMasterId id="2147483671" r:id="rId12"/>
+    <p:sldMasterId id="2147483663" r:id="rId6"/>
+    <p:sldMasterId id="2147483665" r:id="rId7"/>
+    <p:sldMasterId id="2147483667" r:id="rId8"/>
+    <p:sldMasterId id="2147483669" r:id="rId9"/>
+    <p:sldMasterId id="2147483671" r:id="rId10"/>
+    <p:sldMasterId id="2147483673" r:id="rId11"/>
+    <p:sldMasterId id="2147483675" r:id="rId12"/>
   </p:sldMasterIdLst>
   <p:sldIdLst>
     <p:sldId id="256" r:id="rId13"/>
@@ -158,7 +158,7 @@
         <p:txBody>
           <a:bodyPr/>
           <a:p>
-            <a:fld id="{77714134-B609-42B1-8EE4-1A5F95D4AD71}" type="slidenum">
+            <a:fld id="{54D001EE-197B-4090-9506-58B9AB09143F}" type="slidenum">
               <a:t>&lt;#&gt;</a:t>
             </a:fld>
           </a:p>
@@ -191,6 +191,643 @@
 </file>
 
 <file path=ppt/slideLayouts/slideLayout10.xml><?xml version="1.0" encoding="utf-8"?>
+<p:sldLayout xmlns:a="http://schemas.openxmlformats.org/drawingml/2006/main" xmlns:p="http://schemas.openxmlformats.org/presentationml/2006/main" xmlns:r="http://schemas.openxmlformats.org/officeDocument/2006/relationships" xmlns:p14="http://schemas.microsoft.com/office/powerpoint/2010/main" xmlns:p15="http://schemas.microsoft.com/office/powerpoint/2012/main" xmlns:mc="http://schemas.openxmlformats.org/markup-compatibility/2006" type="title" preserve="1">
+  <p:cSld name="Заголовок и объект">
+    <p:spTree>
+      <p:nvGrpSpPr>
+        <p:cNvPr id="1" name=""/>
+        <p:cNvGrpSpPr/>
+        <p:nvPr/>
+      </p:nvGrpSpPr>
+      <p:grpSpPr>
+        <a:xfrm>
+          <a:off x="0" y="0"/>
+          <a:ext cx="0" cy="0"/>
+          <a:chOff x="0" y="0"/>
+          <a:chExt cx="0" cy="0"/>
+        </a:xfrm>
+      </p:grpSpPr>
+      <p:sp>
+        <p:nvSpPr>
+          <p:cNvPr id="28" name="PlaceHolder 1"/>
+          <p:cNvSpPr>
+            <a:spLocks noGrp="1"/>
+          </p:cNvSpPr>
+          <p:nvPr>
+            <p:ph type="title"/>
+          </p:nvPr>
+        </p:nvSpPr>
+        <p:spPr>
+          <a:xfrm>
+            <a:off x="838080" y="365040"/>
+            <a:ext cx="10515240" cy="1325160"/>
+          </a:xfrm>
+          <a:prstGeom prst="rect">
+            <a:avLst/>
+          </a:prstGeom>
+          <a:noFill/>
+          <a:ln w="0">
+            <a:noFill/>
+          </a:ln>
+        </p:spPr>
+        <p:txBody>
+          <a:bodyPr lIns="0" rIns="0" tIns="0" bIns="0" anchor="ctr">
+            <a:noAutofit/>
+          </a:bodyPr>
+          <a:p>
+            <a:pPr indent="0">
+              <a:buNone/>
+            </a:pPr>
+            <a:endParaRPr b="0" lang="ru-RU" sz="1800" strike="noStrike" u="none">
+              <a:solidFill>
+                <a:schemeClr val="dk1"/>
+              </a:solidFill>
+              <a:uFillTx/>
+              <a:latin typeface="Aptos"/>
+            </a:endParaRPr>
+          </a:p>
+        </p:txBody>
+      </p:sp>
+      <p:sp>
+        <p:nvSpPr>
+          <p:cNvPr id="29" name="PlaceHolder 2"/>
+          <p:cNvSpPr>
+            <a:spLocks noGrp="1"/>
+          </p:cNvSpPr>
+          <p:nvPr>
+            <p:ph type="subTitle"/>
+          </p:nvPr>
+        </p:nvSpPr>
+        <p:spPr>
+          <a:xfrm>
+            <a:off x="838080" y="1825560"/>
+            <a:ext cx="10515240" cy="4350960"/>
+          </a:xfrm>
+          <a:prstGeom prst="rect">
+            <a:avLst/>
+          </a:prstGeom>
+          <a:noFill/>
+          <a:ln w="0">
+            <a:noFill/>
+          </a:ln>
+        </p:spPr>
+        <p:txBody>
+          <a:bodyPr lIns="0" rIns="0" tIns="0" bIns="0" anchor="ctr">
+            <a:noAutofit/>
+          </a:bodyPr>
+          <a:p>
+            <a:pPr indent="0" algn="ctr">
+              <a:buNone/>
+            </a:pPr>
+            <a:endParaRPr b="0" lang="en-US" sz="3200" strike="noStrike" u="none">
+              <a:solidFill>
+                <a:srgbClr val="000000"/>
+              </a:solidFill>
+              <a:uFillTx/>
+              <a:latin typeface="Arial"/>
+            </a:endParaRPr>
+          </a:p>
+        </p:txBody>
+      </p:sp>
+      <p:sp>
+        <p:nvSpPr>
+          <p:cNvPr id="4" name="PlaceHolder 3"/>
+          <p:cNvSpPr>
+            <a:spLocks noGrp="1"/>
+          </p:cNvSpPr>
+          <p:nvPr>
+            <p:ph type="ftr" idx="11"/>
+          </p:nvPr>
+        </p:nvSpPr>
+        <p:spPr/>
+        <p:txBody>
+          <a:bodyPr/>
+          <a:p>
+            <a:r>
+              <a:t>Footer</a:t>
+            </a:r>
+          </a:p>
+        </p:txBody>
+      </p:sp>
+      <p:sp>
+        <p:nvSpPr>
+          <p:cNvPr id="5" name="PlaceHolder 4"/>
+          <p:cNvSpPr>
+            <a:spLocks noGrp="1"/>
+          </p:cNvSpPr>
+          <p:nvPr>
+            <p:ph type="sldNum" idx="12"/>
+          </p:nvPr>
+        </p:nvSpPr>
+        <p:spPr/>
+        <p:txBody>
+          <a:bodyPr/>
+          <a:p>
+            <a:fld id="{42431D7A-3E75-4EA2-8455-AE41EA68CC1A}" type="slidenum">
+              <a:t>&lt;#&gt;</a:t>
+            </a:fld>
+          </a:p>
+        </p:txBody>
+      </p:sp>
+      <p:sp>
+        <p:nvSpPr>
+          <p:cNvPr id="6" name="PlaceHolder 5"/>
+          <p:cNvSpPr>
+            <a:spLocks noGrp="1"/>
+          </p:cNvSpPr>
+          <p:nvPr>
+            <p:ph type="dt" idx="10"/>
+          </p:nvPr>
+        </p:nvSpPr>
+        <p:spPr/>
+        <p:txBody>
+          <a:bodyPr/>
+          <a:p>
+            <a:r>
+              <a:rPr lang="en-US"/>
+              <a:t/>
+            </a:r>
+          </a:p>
+        </p:txBody>
+      </p:sp>
+    </p:spTree>
+  </p:cSld>
+</p:sldLayout>
+</file>
+
+<file path=ppt/slideLayouts/slideLayout11.xml><?xml version="1.0" encoding="utf-8"?>
+<p:sldLayout xmlns:a="http://schemas.openxmlformats.org/drawingml/2006/main" xmlns:p="http://schemas.openxmlformats.org/presentationml/2006/main" xmlns:r="http://schemas.openxmlformats.org/officeDocument/2006/relationships" xmlns:p14="http://schemas.microsoft.com/office/powerpoint/2010/main" xmlns:p15="http://schemas.microsoft.com/office/powerpoint/2012/main" xmlns:mc="http://schemas.openxmlformats.org/markup-compatibility/2006" type="obj" preserve="1">
+  <p:cSld name="Заголовок и объект">
+    <p:spTree>
+      <p:nvGrpSpPr>
+        <p:cNvPr id="1" name=""/>
+        <p:cNvGrpSpPr/>
+        <p:nvPr/>
+      </p:nvGrpSpPr>
+      <p:grpSpPr>
+        <a:xfrm>
+          <a:off x="0" y="0"/>
+          <a:ext cx="0" cy="0"/>
+          <a:chOff x="0" y="0"/>
+          <a:chExt cx="0" cy="0"/>
+        </a:xfrm>
+      </p:grpSpPr>
+      <p:sp>
+        <p:nvSpPr>
+          <p:cNvPr id="30" name="PlaceHolder 1"/>
+          <p:cNvSpPr>
+            <a:spLocks noGrp="1"/>
+          </p:cNvSpPr>
+          <p:nvPr>
+            <p:ph type="title"/>
+          </p:nvPr>
+        </p:nvSpPr>
+        <p:spPr>
+          <a:xfrm>
+            <a:off x="838080" y="365040"/>
+            <a:ext cx="10515240" cy="1325160"/>
+          </a:xfrm>
+          <a:prstGeom prst="rect">
+            <a:avLst/>
+          </a:prstGeom>
+          <a:noFill/>
+          <a:ln w="0">
+            <a:noFill/>
+          </a:ln>
+        </p:spPr>
+        <p:txBody>
+          <a:bodyPr lIns="0" rIns="0" tIns="0" bIns="0" anchor="ctr">
+            <a:noAutofit/>
+          </a:bodyPr>
+          <a:p>
+            <a:pPr indent="0">
+              <a:buNone/>
+            </a:pPr>
+            <a:endParaRPr b="0" lang="ru-RU" sz="1800" strike="noStrike" u="none">
+              <a:solidFill>
+                <a:schemeClr val="dk1"/>
+              </a:solidFill>
+              <a:uFillTx/>
+              <a:latin typeface="Aptos"/>
+            </a:endParaRPr>
+          </a:p>
+        </p:txBody>
+      </p:sp>
+      <p:sp>
+        <p:nvSpPr>
+          <p:cNvPr id="31" name="PlaceHolder 2"/>
+          <p:cNvSpPr>
+            <a:spLocks noGrp="1"/>
+          </p:cNvSpPr>
+          <p:nvPr>
+            <p:ph/>
+          </p:nvPr>
+        </p:nvSpPr>
+        <p:spPr>
+          <a:xfrm>
+            <a:off x="838080" y="1825560"/>
+            <a:ext cx="10515240" cy="4350960"/>
+          </a:xfrm>
+          <a:prstGeom prst="rect">
+            <a:avLst/>
+          </a:prstGeom>
+          <a:noFill/>
+          <a:ln w="0">
+            <a:noFill/>
+          </a:ln>
+        </p:spPr>
+        <p:txBody>
+          <a:bodyPr lIns="0" rIns="0" tIns="0" bIns="0" anchor="t">
+            <a:normAutofit/>
+          </a:bodyPr>
+          <a:p>
+            <a:pPr indent="0">
+              <a:lnSpc>
+                <a:spcPct val="90000"/>
+              </a:lnSpc>
+              <a:spcBef>
+                <a:spcPts val="1417"/>
+              </a:spcBef>
+              <a:buNone/>
+            </a:pPr>
+            <a:endParaRPr b="0" lang="ru-RU" sz="2800" strike="noStrike" u="none">
+              <a:solidFill>
+                <a:schemeClr val="dk1"/>
+              </a:solidFill>
+              <a:uFillTx/>
+              <a:latin typeface="Aptos"/>
+            </a:endParaRPr>
+          </a:p>
+        </p:txBody>
+      </p:sp>
+      <p:sp>
+        <p:nvSpPr>
+          <p:cNvPr id="4" name="PlaceHolder 3"/>
+          <p:cNvSpPr>
+            <a:spLocks noGrp="1"/>
+          </p:cNvSpPr>
+          <p:nvPr>
+            <p:ph type="ftr" idx="11"/>
+          </p:nvPr>
+        </p:nvSpPr>
+        <p:spPr/>
+        <p:txBody>
+          <a:bodyPr/>
+          <a:p>
+            <a:r>
+              <a:t>Footer</a:t>
+            </a:r>
+          </a:p>
+        </p:txBody>
+      </p:sp>
+      <p:sp>
+        <p:nvSpPr>
+          <p:cNvPr id="5" name="PlaceHolder 4"/>
+          <p:cNvSpPr>
+            <a:spLocks noGrp="1"/>
+          </p:cNvSpPr>
+          <p:nvPr>
+            <p:ph type="sldNum" idx="12"/>
+          </p:nvPr>
+        </p:nvSpPr>
+        <p:spPr/>
+        <p:txBody>
+          <a:bodyPr/>
+          <a:p>
+            <a:fld id="{F9B7FCEF-8D42-4E8E-BB13-513131A9637F}" type="slidenum">
+              <a:t>&lt;#&gt;</a:t>
+            </a:fld>
+          </a:p>
+        </p:txBody>
+      </p:sp>
+      <p:sp>
+        <p:nvSpPr>
+          <p:cNvPr id="6" name="PlaceHolder 5"/>
+          <p:cNvSpPr>
+            <a:spLocks noGrp="1"/>
+          </p:cNvSpPr>
+          <p:nvPr>
+            <p:ph type="dt" idx="10"/>
+          </p:nvPr>
+        </p:nvSpPr>
+        <p:spPr/>
+        <p:txBody>
+          <a:bodyPr/>
+          <a:p>
+            <a:r>
+              <a:rPr lang="en-US"/>
+              <a:t/>
+            </a:r>
+          </a:p>
+        </p:txBody>
+      </p:sp>
+    </p:spTree>
+  </p:cSld>
+</p:sldLayout>
+</file>
+
+<file path=ppt/slideLayouts/slideLayout12.xml><?xml version="1.0" encoding="utf-8"?>
+<p:sldLayout xmlns:a="http://schemas.openxmlformats.org/drawingml/2006/main" xmlns:p="http://schemas.openxmlformats.org/presentationml/2006/main" xmlns:r="http://schemas.openxmlformats.org/officeDocument/2006/relationships" xmlns:p14="http://schemas.microsoft.com/office/powerpoint/2010/main" xmlns:p15="http://schemas.microsoft.com/office/powerpoint/2012/main" xmlns:mc="http://schemas.openxmlformats.org/markup-compatibility/2006" type="blank" preserve="1">
+  <p:cSld name="Заголовок раздела">
+    <p:spTree>
+      <p:nvGrpSpPr>
+        <p:cNvPr id="1" name=""/>
+        <p:cNvGrpSpPr/>
+        <p:nvPr/>
+      </p:nvGrpSpPr>
+      <p:grpSpPr>
+        <a:xfrm>
+          <a:off x="0" y="0"/>
+          <a:ext cx="0" cy="0"/>
+          <a:chOff x="0" y="0"/>
+          <a:chExt cx="0" cy="0"/>
+        </a:xfrm>
+      </p:grpSpPr>
+      <p:sp>
+        <p:nvSpPr>
+          <p:cNvPr id="2" name="PlaceHolder 1"/>
+          <p:cNvSpPr>
+            <a:spLocks noGrp="1"/>
+          </p:cNvSpPr>
+          <p:nvPr>
+            <p:ph type="ftr" idx="14"/>
+          </p:nvPr>
+        </p:nvSpPr>
+        <p:spPr/>
+        <p:txBody>
+          <a:bodyPr/>
+          <a:p>
+            <a:r>
+              <a:t>Footer</a:t>
+            </a:r>
+          </a:p>
+        </p:txBody>
+      </p:sp>
+      <p:sp>
+        <p:nvSpPr>
+          <p:cNvPr id="3" name="PlaceHolder 2"/>
+          <p:cNvSpPr>
+            <a:spLocks noGrp="1"/>
+          </p:cNvSpPr>
+          <p:nvPr>
+            <p:ph type="sldNum" idx="15"/>
+          </p:nvPr>
+        </p:nvSpPr>
+        <p:spPr/>
+        <p:txBody>
+          <a:bodyPr/>
+          <a:p>
+            <a:fld id="{A8B27023-73BE-4F16-B076-03DB12094229}" type="slidenum">
+              <a:t>&lt;#&gt;</a:t>
+            </a:fld>
+          </a:p>
+        </p:txBody>
+      </p:sp>
+      <p:sp>
+        <p:nvSpPr>
+          <p:cNvPr id="4" name="PlaceHolder 3"/>
+          <p:cNvSpPr>
+            <a:spLocks noGrp="1"/>
+          </p:cNvSpPr>
+          <p:nvPr>
+            <p:ph type="dt" idx="13"/>
+          </p:nvPr>
+        </p:nvSpPr>
+        <p:spPr/>
+        <p:txBody>
+          <a:bodyPr/>
+          <a:p>
+            <a:r>
+              <a:rPr lang="en-US"/>
+              <a:t/>
+            </a:r>
+          </a:p>
+        </p:txBody>
+      </p:sp>
+    </p:spTree>
+  </p:cSld>
+</p:sldLayout>
+</file>
+
+<file path=ppt/slideLayouts/slideLayout13.xml><?xml version="1.0" encoding="utf-8"?>
+<p:sldLayout xmlns:a="http://schemas.openxmlformats.org/drawingml/2006/main" xmlns:p="http://schemas.openxmlformats.org/presentationml/2006/main" xmlns:r="http://schemas.openxmlformats.org/officeDocument/2006/relationships" xmlns:p14="http://schemas.microsoft.com/office/powerpoint/2010/main" xmlns:p15="http://schemas.microsoft.com/office/powerpoint/2012/main" xmlns:mc="http://schemas.openxmlformats.org/markup-compatibility/2006" type="twoObj" preserve="1">
+  <p:cSld name="Два объекта">
+    <p:spTree>
+      <p:nvGrpSpPr>
+        <p:cNvPr id="1" name=""/>
+        <p:cNvGrpSpPr/>
+        <p:nvPr/>
+      </p:nvGrpSpPr>
+      <p:grpSpPr>
+        <a:xfrm>
+          <a:off x="0" y="0"/>
+          <a:ext cx="0" cy="0"/>
+          <a:chOff x="0" y="0"/>
+          <a:chExt cx="0" cy="0"/>
+        </a:xfrm>
+      </p:grpSpPr>
+      <p:sp>
+        <p:nvSpPr>
+          <p:cNvPr id="43" name="PlaceHolder 1"/>
+          <p:cNvSpPr>
+            <a:spLocks noGrp="1"/>
+          </p:cNvSpPr>
+          <p:nvPr>
+            <p:ph type="title"/>
+          </p:nvPr>
+        </p:nvSpPr>
+        <p:spPr>
+          <a:xfrm>
+            <a:off x="838080" y="365040"/>
+            <a:ext cx="10515240" cy="1325160"/>
+          </a:xfrm>
+          <a:prstGeom prst="rect">
+            <a:avLst/>
+          </a:prstGeom>
+          <a:noFill/>
+          <a:ln w="0">
+            <a:noFill/>
+          </a:ln>
+        </p:spPr>
+        <p:txBody>
+          <a:bodyPr lIns="0" rIns="0" tIns="0" bIns="0" anchor="ctr">
+            <a:noAutofit/>
+          </a:bodyPr>
+          <a:p>
+            <a:pPr indent="0">
+              <a:buNone/>
+            </a:pPr>
+            <a:endParaRPr b="0" lang="ru-RU" sz="1800" strike="noStrike" u="none">
+              <a:solidFill>
+                <a:schemeClr val="dk1"/>
+              </a:solidFill>
+              <a:uFillTx/>
+              <a:latin typeface="Aptos"/>
+            </a:endParaRPr>
+          </a:p>
+        </p:txBody>
+      </p:sp>
+      <p:sp>
+        <p:nvSpPr>
+          <p:cNvPr id="44" name="PlaceHolder 2"/>
+          <p:cNvSpPr>
+            <a:spLocks noGrp="1"/>
+          </p:cNvSpPr>
+          <p:nvPr>
+            <p:ph/>
+          </p:nvPr>
+        </p:nvSpPr>
+        <p:spPr>
+          <a:xfrm>
+            <a:off x="838080" y="1825560"/>
+            <a:ext cx="5131080" cy="4350960"/>
+          </a:xfrm>
+          <a:prstGeom prst="rect">
+            <a:avLst/>
+          </a:prstGeom>
+          <a:noFill/>
+          <a:ln w="0">
+            <a:noFill/>
+          </a:ln>
+        </p:spPr>
+        <p:txBody>
+          <a:bodyPr lIns="0" rIns="0" tIns="0" bIns="0" anchor="t">
+            <a:normAutofit/>
+          </a:bodyPr>
+          <a:p>
+            <a:pPr indent="0">
+              <a:lnSpc>
+                <a:spcPct val="90000"/>
+              </a:lnSpc>
+              <a:spcBef>
+                <a:spcPts val="1417"/>
+              </a:spcBef>
+              <a:buNone/>
+            </a:pPr>
+            <a:endParaRPr b="0" lang="ru-RU" sz="2800" strike="noStrike" u="none">
+              <a:solidFill>
+                <a:schemeClr val="dk1"/>
+              </a:solidFill>
+              <a:uFillTx/>
+              <a:latin typeface="Aptos"/>
+            </a:endParaRPr>
+          </a:p>
+        </p:txBody>
+      </p:sp>
+      <p:sp>
+        <p:nvSpPr>
+          <p:cNvPr id="45" name="PlaceHolder 3"/>
+          <p:cNvSpPr>
+            <a:spLocks noGrp="1"/>
+          </p:cNvSpPr>
+          <p:nvPr>
+            <p:ph/>
+          </p:nvPr>
+        </p:nvSpPr>
+        <p:spPr>
+          <a:xfrm>
+            <a:off x="6226200" y="1825560"/>
+            <a:ext cx="5131080" cy="4350960"/>
+          </a:xfrm>
+          <a:prstGeom prst="rect">
+            <a:avLst/>
+          </a:prstGeom>
+          <a:noFill/>
+          <a:ln w="0">
+            <a:noFill/>
+          </a:ln>
+        </p:spPr>
+        <p:txBody>
+          <a:bodyPr lIns="0" rIns="0" tIns="0" bIns="0" anchor="t">
+            <a:normAutofit/>
+          </a:bodyPr>
+          <a:p>
+            <a:pPr indent="0">
+              <a:lnSpc>
+                <a:spcPct val="90000"/>
+              </a:lnSpc>
+              <a:spcBef>
+                <a:spcPts val="1417"/>
+              </a:spcBef>
+              <a:buNone/>
+            </a:pPr>
+            <a:endParaRPr b="0" lang="ru-RU" sz="2800" strike="noStrike" u="none">
+              <a:solidFill>
+                <a:schemeClr val="dk1"/>
+              </a:solidFill>
+              <a:uFillTx/>
+              <a:latin typeface="Aptos"/>
+            </a:endParaRPr>
+          </a:p>
+        </p:txBody>
+      </p:sp>
+      <p:sp>
+        <p:nvSpPr>
+          <p:cNvPr id="5" name="PlaceHolder 4"/>
+          <p:cNvSpPr>
+            <a:spLocks noGrp="1"/>
+          </p:cNvSpPr>
+          <p:nvPr>
+            <p:ph type="ftr" idx="17"/>
+          </p:nvPr>
+        </p:nvSpPr>
+        <p:spPr/>
+        <p:txBody>
+          <a:bodyPr/>
+          <a:p>
+            <a:r>
+              <a:t>Footer</a:t>
+            </a:r>
+          </a:p>
+        </p:txBody>
+      </p:sp>
+      <p:sp>
+        <p:nvSpPr>
+          <p:cNvPr id="6" name="PlaceHolder 5"/>
+          <p:cNvSpPr>
+            <a:spLocks noGrp="1"/>
+          </p:cNvSpPr>
+          <p:nvPr>
+            <p:ph type="sldNum" idx="18"/>
+          </p:nvPr>
+        </p:nvSpPr>
+        <p:spPr/>
+        <p:txBody>
+          <a:bodyPr/>
+          <a:p>
+            <a:fld id="{3555D072-63C2-4876-A999-34734FA2F65D}" type="slidenum">
+              <a:t>&lt;#&gt;</a:t>
+            </a:fld>
+          </a:p>
+        </p:txBody>
+      </p:sp>
+      <p:sp>
+        <p:nvSpPr>
+          <p:cNvPr id="7" name="PlaceHolder 6"/>
+          <p:cNvSpPr>
+            <a:spLocks noGrp="1"/>
+          </p:cNvSpPr>
+          <p:nvPr>
+            <p:ph type="dt" idx="16"/>
+          </p:nvPr>
+        </p:nvSpPr>
+        <p:spPr/>
+        <p:txBody>
+          <a:bodyPr/>
+          <a:p>
+            <a:r>
+              <a:rPr lang="en-US"/>
+              <a:t/>
+            </a:r>
+          </a:p>
+        </p:txBody>
+      </p:sp>
+    </p:spTree>
+  </p:cSld>
+</p:sldLayout>
+</file>
+
+<file path=ppt/slideLayouts/slideLayout14.xml><?xml version="1.0" encoding="utf-8"?>
 <p:sldLayout xmlns:a="http://schemas.openxmlformats.org/drawingml/2006/main" xmlns:p="http://schemas.openxmlformats.org/presentationml/2006/main" xmlns:r="http://schemas.openxmlformats.org/officeDocument/2006/relationships" xmlns:p14="http://schemas.microsoft.com/office/powerpoint/2010/main" xmlns:p15="http://schemas.microsoft.com/office/powerpoint/2012/main" xmlns:mc="http://schemas.openxmlformats.org/markup-compatibility/2006" type="blank" preserve="1">
   <p:cSld name="Сравнение">
     <p:spTree>
@@ -241,7 +878,7 @@
         <p:txBody>
           <a:bodyPr/>
           <a:p>
-            <a:fld id="{63BFB71C-2A13-45D9-99BF-EC758FDC335F}" type="slidenum">
+            <a:fld id="{7055956E-FDFD-45B9-8B74-E242CCAC8D01}" type="slidenum">
               <a:t>&lt;#&gt;</a:t>
             </a:fld>
           </a:p>
@@ -273,7 +910,7 @@
 </p:sldLayout>
 </file>
 
-<file path=ppt/slideLayouts/slideLayout11.xml><?xml version="1.0" encoding="utf-8"?>
+<file path=ppt/slideLayouts/slideLayout15.xml><?xml version="1.0" encoding="utf-8"?>
 <p:sldLayout xmlns:a="http://schemas.openxmlformats.org/drawingml/2006/main" xmlns:p="http://schemas.openxmlformats.org/presentationml/2006/main" xmlns:r="http://schemas.openxmlformats.org/officeDocument/2006/relationships" xmlns:p14="http://schemas.microsoft.com/office/powerpoint/2010/main" xmlns:p15="http://schemas.microsoft.com/office/powerpoint/2012/main" xmlns:mc="http://schemas.openxmlformats.org/markup-compatibility/2006" type="titleOnly" preserve="1">
   <p:cSld name="Только заголовок">
     <p:spTree>
@@ -292,7 +929,7 @@
       </p:grpSpPr>
       <p:sp>
         <p:nvSpPr>
-          <p:cNvPr id="52" name="PlaceHolder 1"/>
+          <p:cNvPr id="58" name="PlaceHolder 1"/>
           <p:cNvSpPr>
             <a:spLocks noGrp="1"/>
           </p:cNvSpPr>
@@ -365,7 +1002,7 @@
         <p:txBody>
           <a:bodyPr/>
           <a:p>
-            <a:fld id="{D0BDDCD4-DDE2-4451-8984-89FDBBBDC925}" type="slidenum">
+            <a:fld id="{DCEF02DC-3FD2-4EA6-94B8-D84F0706B82D}" type="slidenum">
               <a:t>&lt;#&gt;</a:t>
             </a:fld>
           </a:p>
@@ -397,7 +1034,7 @@
 </p:sldLayout>
 </file>
 
-<file path=ppt/slideLayouts/slideLayout12.xml><?xml version="1.0" encoding="utf-8"?>
+<file path=ppt/slideLayouts/slideLayout16.xml><?xml version="1.0" encoding="utf-8"?>
 <p:sldLayout xmlns:a="http://schemas.openxmlformats.org/drawingml/2006/main" xmlns:p="http://schemas.openxmlformats.org/presentationml/2006/main" xmlns:r="http://schemas.openxmlformats.org/officeDocument/2006/relationships" xmlns:p14="http://schemas.microsoft.com/office/powerpoint/2010/main" xmlns:p15="http://schemas.microsoft.com/office/powerpoint/2012/main" xmlns:mc="http://schemas.openxmlformats.org/markup-compatibility/2006" type="blank" preserve="1">
   <p:cSld name="Пустой слайд">
     <p:spTree>
@@ -448,7 +1085,7 @@
         <p:txBody>
           <a:bodyPr/>
           <a:p>
-            <a:fld id="{924B2591-FE85-4E39-B8C8-190A0959C449}" type="slidenum">
+            <a:fld id="{19F63171-104C-45A9-A5B8-9FF0F0389377}" type="slidenum">
               <a:t>&lt;#&gt;</a:t>
             </a:fld>
           </a:p>
@@ -480,7 +1117,7 @@
 </p:sldLayout>
 </file>
 
-<file path=ppt/slideLayouts/slideLayout13.xml><?xml version="1.0" encoding="utf-8"?>
+<file path=ppt/slideLayouts/slideLayout17.xml><?xml version="1.0" encoding="utf-8"?>
 <p:sldLayout xmlns:a="http://schemas.openxmlformats.org/drawingml/2006/main" xmlns:p="http://schemas.openxmlformats.org/presentationml/2006/main" xmlns:r="http://schemas.openxmlformats.org/officeDocument/2006/relationships" xmlns:p14="http://schemas.microsoft.com/office/powerpoint/2010/main" xmlns:p15="http://schemas.microsoft.com/office/powerpoint/2012/main" xmlns:mc="http://schemas.openxmlformats.org/markup-compatibility/2006" type="blank" preserve="1">
   <p:cSld name="Объект с подписью">
     <p:spTree>
@@ -531,7 +1168,7 @@
         <p:txBody>
           <a:bodyPr/>
           <a:p>
-            <a:fld id="{1306A1F3-422A-429B-835B-E5C2314E2580}" type="slidenum">
+            <a:fld id="{333FF670-DEE5-4B35-BFE8-1F38230E2715}" type="slidenum">
               <a:t>&lt;#&gt;</a:t>
             </a:fld>
           </a:p>
@@ -563,7 +1200,7 @@
 </p:sldLayout>
 </file>
 
-<file path=ppt/slideLayouts/slideLayout14.xml><?xml version="1.0" encoding="utf-8"?>
+<file path=ppt/slideLayouts/slideLayout18.xml><?xml version="1.0" encoding="utf-8"?>
 <p:sldLayout xmlns:a="http://schemas.openxmlformats.org/drawingml/2006/main" xmlns:p="http://schemas.openxmlformats.org/presentationml/2006/main" xmlns:r="http://schemas.openxmlformats.org/officeDocument/2006/relationships" xmlns:p14="http://schemas.microsoft.com/office/powerpoint/2010/main" xmlns:p15="http://schemas.microsoft.com/office/powerpoint/2012/main" xmlns:mc="http://schemas.openxmlformats.org/markup-compatibility/2006" type="blank" preserve="1">
   <p:cSld name="Рисунок с подписью">
     <p:spTree>
@@ -614,7 +1251,7 @@
         <p:txBody>
           <a:bodyPr/>
           <a:p>
-            <a:fld id="{46F4A5AF-BA82-483B-9B15-A3982400DE35}" type="slidenum">
+            <a:fld id="{396D59F3-338D-47E8-9764-CA8F326CFFD8}" type="slidenum">
               <a:t>&lt;#&gt;</a:t>
             </a:fld>
           </a:p>
@@ -697,7 +1334,7 @@
         <p:txBody>
           <a:bodyPr/>
           <a:p>
-            <a:fld id="{AAF43C58-DB7B-4111-B2EC-7F43F74EF013}" type="slidenum">
+            <a:fld id="{D7B9349C-3E13-4922-B7EB-5BF4112F2968}" type="slidenum">
               <a:t>&lt;#&gt;</a:t>
             </a:fld>
           </a:p>
@@ -780,7 +1417,7 @@
         <p:txBody>
           <a:bodyPr/>
           <a:p>
-            <a:fld id="{AA0FA3AE-67DF-4D1D-8854-69C15F89F548}" type="slidenum">
+            <a:fld id="{B9DEF288-66B8-45EE-8C1B-6E2422160734}" type="slidenum">
               <a:t>&lt;#&gt;</a:t>
             </a:fld>
           </a:p>
@@ -813,6 +1450,602 @@
 </file>
 
 <file path=ppt/slideLayouts/slideLayout4.xml><?xml version="1.0" encoding="utf-8"?>
+<p:sldLayout xmlns:a="http://schemas.openxmlformats.org/drawingml/2006/main" xmlns:p="http://schemas.openxmlformats.org/presentationml/2006/main" xmlns:r="http://schemas.openxmlformats.org/officeDocument/2006/relationships" xmlns:p14="http://schemas.microsoft.com/office/powerpoint/2010/main" xmlns:p15="http://schemas.microsoft.com/office/powerpoint/2012/main" xmlns:mc="http://schemas.openxmlformats.org/markup-compatibility/2006" type="titleOnly" preserve="1">
+  <p:cSld name="Заголовок и объект">
+    <p:spTree>
+      <p:nvGrpSpPr>
+        <p:cNvPr id="1" name=""/>
+        <p:cNvGrpSpPr/>
+        <p:nvPr/>
+      </p:nvGrpSpPr>
+      <p:grpSpPr>
+        <a:xfrm>
+          <a:off x="0" y="0"/>
+          <a:ext cx="0" cy="0"/>
+          <a:chOff x="0" y="0"/>
+          <a:chExt cx="0" cy="0"/>
+        </a:xfrm>
+      </p:grpSpPr>
+      <p:sp>
+        <p:nvSpPr>
+          <p:cNvPr id="22" name="PlaceHolder 1"/>
+          <p:cNvSpPr>
+            <a:spLocks noGrp="1"/>
+          </p:cNvSpPr>
+          <p:nvPr>
+            <p:ph type="title"/>
+          </p:nvPr>
+        </p:nvSpPr>
+        <p:spPr>
+          <a:xfrm>
+            <a:off x="838080" y="365040"/>
+            <a:ext cx="10515240" cy="1325160"/>
+          </a:xfrm>
+          <a:prstGeom prst="rect">
+            <a:avLst/>
+          </a:prstGeom>
+          <a:noFill/>
+          <a:ln w="0">
+            <a:noFill/>
+          </a:ln>
+        </p:spPr>
+        <p:txBody>
+          <a:bodyPr lIns="0" rIns="0" tIns="0" bIns="0" anchor="ctr">
+            <a:noAutofit/>
+          </a:bodyPr>
+          <a:p>
+            <a:pPr indent="0">
+              <a:buNone/>
+            </a:pPr>
+            <a:endParaRPr b="0" lang="ru-RU" sz="1800" strike="noStrike" u="none">
+              <a:solidFill>
+                <a:schemeClr val="dk1"/>
+              </a:solidFill>
+              <a:uFillTx/>
+              <a:latin typeface="Aptos"/>
+            </a:endParaRPr>
+          </a:p>
+        </p:txBody>
+      </p:sp>
+      <p:sp>
+        <p:nvSpPr>
+          <p:cNvPr id="3" name="PlaceHolder 2"/>
+          <p:cNvSpPr>
+            <a:spLocks noGrp="1"/>
+          </p:cNvSpPr>
+          <p:nvPr>
+            <p:ph type="ftr" idx="11"/>
+          </p:nvPr>
+        </p:nvSpPr>
+        <p:spPr/>
+        <p:txBody>
+          <a:bodyPr/>
+          <a:p>
+            <a:r>
+              <a:t>Footer</a:t>
+            </a:r>
+          </a:p>
+        </p:txBody>
+      </p:sp>
+      <p:sp>
+        <p:nvSpPr>
+          <p:cNvPr id="4" name="PlaceHolder 3"/>
+          <p:cNvSpPr>
+            <a:spLocks noGrp="1"/>
+          </p:cNvSpPr>
+          <p:nvPr>
+            <p:ph type="sldNum" idx="12"/>
+          </p:nvPr>
+        </p:nvSpPr>
+        <p:spPr/>
+        <p:txBody>
+          <a:bodyPr/>
+          <a:p>
+            <a:fld id="{FDE5157B-0762-473A-BA4A-45AA1CA883F7}" type="slidenum">
+              <a:t>&lt;#&gt;</a:t>
+            </a:fld>
+          </a:p>
+        </p:txBody>
+      </p:sp>
+      <p:sp>
+        <p:nvSpPr>
+          <p:cNvPr id="5" name="PlaceHolder 4"/>
+          <p:cNvSpPr>
+            <a:spLocks noGrp="1"/>
+          </p:cNvSpPr>
+          <p:nvPr>
+            <p:ph type="dt" idx="10"/>
+          </p:nvPr>
+        </p:nvSpPr>
+        <p:spPr/>
+        <p:txBody>
+          <a:bodyPr/>
+          <a:p>
+            <a:r>
+              <a:rPr lang="en-US"/>
+              <a:t/>
+            </a:r>
+          </a:p>
+        </p:txBody>
+      </p:sp>
+    </p:spTree>
+  </p:cSld>
+</p:sldLayout>
+</file>
+
+<file path=ppt/slideLayouts/slideLayout5.xml><?xml version="1.0" encoding="utf-8"?>
+<p:sldLayout xmlns:a="http://schemas.openxmlformats.org/drawingml/2006/main" xmlns:p="http://schemas.openxmlformats.org/presentationml/2006/main" xmlns:r="http://schemas.openxmlformats.org/officeDocument/2006/relationships" xmlns:p14="http://schemas.microsoft.com/office/powerpoint/2010/main" xmlns:p15="http://schemas.microsoft.com/office/powerpoint/2012/main" xmlns:mc="http://schemas.openxmlformats.org/markup-compatibility/2006" type="twoObj" preserve="1">
+  <p:cSld name="Заголовок и объект">
+    <p:spTree>
+      <p:nvGrpSpPr>
+        <p:cNvPr id="1" name=""/>
+        <p:cNvGrpSpPr/>
+        <p:nvPr/>
+      </p:nvGrpSpPr>
+      <p:grpSpPr>
+        <a:xfrm>
+          <a:off x="0" y="0"/>
+          <a:ext cx="0" cy="0"/>
+          <a:chOff x="0" y="0"/>
+          <a:chExt cx="0" cy="0"/>
+        </a:xfrm>
+      </p:grpSpPr>
+      <p:sp>
+        <p:nvSpPr>
+          <p:cNvPr id="23" name="PlaceHolder 1"/>
+          <p:cNvSpPr>
+            <a:spLocks noGrp="1"/>
+          </p:cNvSpPr>
+          <p:nvPr>
+            <p:ph type="title"/>
+          </p:nvPr>
+        </p:nvSpPr>
+        <p:spPr>
+          <a:xfrm>
+            <a:off x="838080" y="365040"/>
+            <a:ext cx="10515240" cy="1325160"/>
+          </a:xfrm>
+          <a:prstGeom prst="rect">
+            <a:avLst/>
+          </a:prstGeom>
+          <a:noFill/>
+          <a:ln w="0">
+            <a:noFill/>
+          </a:ln>
+        </p:spPr>
+        <p:txBody>
+          <a:bodyPr lIns="0" rIns="0" tIns="0" bIns="0" anchor="ctr">
+            <a:noAutofit/>
+          </a:bodyPr>
+          <a:p>
+            <a:pPr indent="0">
+              <a:buNone/>
+            </a:pPr>
+            <a:endParaRPr b="0" lang="ru-RU" sz="1800" strike="noStrike" u="none">
+              <a:solidFill>
+                <a:schemeClr val="dk1"/>
+              </a:solidFill>
+              <a:uFillTx/>
+              <a:latin typeface="Aptos"/>
+            </a:endParaRPr>
+          </a:p>
+        </p:txBody>
+      </p:sp>
+      <p:sp>
+        <p:nvSpPr>
+          <p:cNvPr id="24" name="PlaceHolder 2"/>
+          <p:cNvSpPr>
+            <a:spLocks noGrp="1"/>
+          </p:cNvSpPr>
+          <p:nvPr>
+            <p:ph/>
+          </p:nvPr>
+        </p:nvSpPr>
+        <p:spPr>
+          <a:xfrm>
+            <a:off x="838080" y="1825560"/>
+            <a:ext cx="5131080" cy="4350960"/>
+          </a:xfrm>
+          <a:prstGeom prst="rect">
+            <a:avLst/>
+          </a:prstGeom>
+          <a:noFill/>
+          <a:ln w="0">
+            <a:noFill/>
+          </a:ln>
+        </p:spPr>
+        <p:txBody>
+          <a:bodyPr lIns="0" rIns="0" tIns="0" bIns="0" anchor="t">
+            <a:normAutofit/>
+          </a:bodyPr>
+          <a:p>
+            <a:pPr indent="0">
+              <a:lnSpc>
+                <a:spcPct val="90000"/>
+              </a:lnSpc>
+              <a:spcBef>
+                <a:spcPts val="1417"/>
+              </a:spcBef>
+              <a:buNone/>
+            </a:pPr>
+            <a:endParaRPr b="0" lang="ru-RU" sz="2800" strike="noStrike" u="none">
+              <a:solidFill>
+                <a:schemeClr val="dk1"/>
+              </a:solidFill>
+              <a:uFillTx/>
+              <a:latin typeface="Aptos"/>
+            </a:endParaRPr>
+          </a:p>
+        </p:txBody>
+      </p:sp>
+      <p:sp>
+        <p:nvSpPr>
+          <p:cNvPr id="25" name="PlaceHolder 3"/>
+          <p:cNvSpPr>
+            <a:spLocks noGrp="1"/>
+          </p:cNvSpPr>
+          <p:nvPr>
+            <p:ph/>
+          </p:nvPr>
+        </p:nvSpPr>
+        <p:spPr>
+          <a:xfrm>
+            <a:off x="6226200" y="1825560"/>
+            <a:ext cx="5131080" cy="4350960"/>
+          </a:xfrm>
+          <a:prstGeom prst="rect">
+            <a:avLst/>
+          </a:prstGeom>
+          <a:noFill/>
+          <a:ln w="0">
+            <a:noFill/>
+          </a:ln>
+        </p:spPr>
+        <p:txBody>
+          <a:bodyPr lIns="0" rIns="0" tIns="0" bIns="0" anchor="t">
+            <a:normAutofit/>
+          </a:bodyPr>
+          <a:p>
+            <a:pPr indent="0">
+              <a:lnSpc>
+                <a:spcPct val="90000"/>
+              </a:lnSpc>
+              <a:spcBef>
+                <a:spcPts val="1417"/>
+              </a:spcBef>
+              <a:buNone/>
+            </a:pPr>
+            <a:endParaRPr b="0" lang="ru-RU" sz="2800" strike="noStrike" u="none">
+              <a:solidFill>
+                <a:schemeClr val="dk1"/>
+              </a:solidFill>
+              <a:uFillTx/>
+              <a:latin typeface="Aptos"/>
+            </a:endParaRPr>
+          </a:p>
+        </p:txBody>
+      </p:sp>
+      <p:sp>
+        <p:nvSpPr>
+          <p:cNvPr id="5" name="PlaceHolder 4"/>
+          <p:cNvSpPr>
+            <a:spLocks noGrp="1"/>
+          </p:cNvSpPr>
+          <p:nvPr>
+            <p:ph type="ftr" idx="11"/>
+          </p:nvPr>
+        </p:nvSpPr>
+        <p:spPr/>
+        <p:txBody>
+          <a:bodyPr/>
+          <a:p>
+            <a:r>
+              <a:t>Footer</a:t>
+            </a:r>
+          </a:p>
+        </p:txBody>
+      </p:sp>
+      <p:sp>
+        <p:nvSpPr>
+          <p:cNvPr id="6" name="PlaceHolder 5"/>
+          <p:cNvSpPr>
+            <a:spLocks noGrp="1"/>
+          </p:cNvSpPr>
+          <p:nvPr>
+            <p:ph type="sldNum" idx="12"/>
+          </p:nvPr>
+        </p:nvSpPr>
+        <p:spPr/>
+        <p:txBody>
+          <a:bodyPr/>
+          <a:p>
+            <a:fld id="{B39DBEF7-25A5-4910-99E6-59B847ECB009}" type="slidenum">
+              <a:t>&lt;#&gt;</a:t>
+            </a:fld>
+          </a:p>
+        </p:txBody>
+      </p:sp>
+      <p:sp>
+        <p:nvSpPr>
+          <p:cNvPr id="7" name="PlaceHolder 6"/>
+          <p:cNvSpPr>
+            <a:spLocks noGrp="1"/>
+          </p:cNvSpPr>
+          <p:nvPr>
+            <p:ph type="dt" idx="10"/>
+          </p:nvPr>
+        </p:nvSpPr>
+        <p:spPr/>
+        <p:txBody>
+          <a:bodyPr/>
+          <a:p>
+            <a:r>
+              <a:rPr lang="en-US"/>
+              <a:t/>
+            </a:r>
+          </a:p>
+        </p:txBody>
+      </p:sp>
+    </p:spTree>
+  </p:cSld>
+</p:sldLayout>
+</file>
+
+<file path=ppt/slideLayouts/slideLayout6.xml><?xml version="1.0" encoding="utf-8"?>
+<p:sldLayout xmlns:a="http://schemas.openxmlformats.org/drawingml/2006/main" xmlns:p="http://schemas.openxmlformats.org/presentationml/2006/main" xmlns:r="http://schemas.openxmlformats.org/officeDocument/2006/relationships" xmlns:p14="http://schemas.microsoft.com/office/powerpoint/2010/main" xmlns:p15="http://schemas.microsoft.com/office/powerpoint/2012/main" xmlns:mc="http://schemas.openxmlformats.org/markup-compatibility/2006" type="blank" preserve="1">
+  <p:cSld name="Заголовок и объект">
+    <p:spTree>
+      <p:nvGrpSpPr>
+        <p:cNvPr id="1" name=""/>
+        <p:cNvGrpSpPr/>
+        <p:nvPr/>
+      </p:nvGrpSpPr>
+      <p:grpSpPr>
+        <a:xfrm>
+          <a:off x="0" y="0"/>
+          <a:ext cx="0" cy="0"/>
+          <a:chOff x="0" y="0"/>
+          <a:chExt cx="0" cy="0"/>
+        </a:xfrm>
+      </p:grpSpPr>
+      <p:sp>
+        <p:nvSpPr>
+          <p:cNvPr id="2" name="PlaceHolder 1"/>
+          <p:cNvSpPr>
+            <a:spLocks noGrp="1"/>
+          </p:cNvSpPr>
+          <p:nvPr>
+            <p:ph type="ftr" idx="11"/>
+          </p:nvPr>
+        </p:nvSpPr>
+        <p:spPr/>
+        <p:txBody>
+          <a:bodyPr/>
+          <a:p>
+            <a:r>
+              <a:t>Footer</a:t>
+            </a:r>
+          </a:p>
+        </p:txBody>
+      </p:sp>
+      <p:sp>
+        <p:nvSpPr>
+          <p:cNvPr id="3" name="PlaceHolder 2"/>
+          <p:cNvSpPr>
+            <a:spLocks noGrp="1"/>
+          </p:cNvSpPr>
+          <p:nvPr>
+            <p:ph type="sldNum" idx="12"/>
+          </p:nvPr>
+        </p:nvSpPr>
+        <p:spPr/>
+        <p:txBody>
+          <a:bodyPr/>
+          <a:p>
+            <a:fld id="{E8F3636C-0543-47A2-8892-9537E845463C}" type="slidenum">
+              <a:t>&lt;#&gt;</a:t>
+            </a:fld>
+          </a:p>
+        </p:txBody>
+      </p:sp>
+      <p:sp>
+        <p:nvSpPr>
+          <p:cNvPr id="4" name="PlaceHolder 3"/>
+          <p:cNvSpPr>
+            <a:spLocks noGrp="1"/>
+          </p:cNvSpPr>
+          <p:nvPr>
+            <p:ph type="dt" idx="10"/>
+          </p:nvPr>
+        </p:nvSpPr>
+        <p:spPr/>
+        <p:txBody>
+          <a:bodyPr/>
+          <a:p>
+            <a:r>
+              <a:rPr lang="en-US"/>
+              <a:t/>
+            </a:r>
+          </a:p>
+        </p:txBody>
+      </p:sp>
+    </p:spTree>
+  </p:cSld>
+</p:sldLayout>
+</file>
+
+<file path=ppt/slideLayouts/slideLayout7.xml><?xml version="1.0" encoding="utf-8"?>
+<p:sldLayout xmlns:a="http://schemas.openxmlformats.org/drawingml/2006/main" xmlns:p="http://schemas.openxmlformats.org/presentationml/2006/main" xmlns:r="http://schemas.openxmlformats.org/officeDocument/2006/relationships" xmlns:p14="http://schemas.microsoft.com/office/powerpoint/2010/main" xmlns:p15="http://schemas.microsoft.com/office/powerpoint/2012/main" xmlns:mc="http://schemas.openxmlformats.org/markup-compatibility/2006" type="tx" preserve="1">
+  <p:cSld name="Заголовок и объект">
+    <p:spTree>
+      <p:nvGrpSpPr>
+        <p:cNvPr id="1" name=""/>
+        <p:cNvGrpSpPr/>
+        <p:nvPr/>
+      </p:nvGrpSpPr>
+      <p:grpSpPr>
+        <a:xfrm>
+          <a:off x="0" y="0"/>
+          <a:ext cx="0" cy="0"/>
+          <a:chOff x="0" y="0"/>
+          <a:chExt cx="0" cy="0"/>
+        </a:xfrm>
+      </p:grpSpPr>
+      <p:sp>
+        <p:nvSpPr>
+          <p:cNvPr id="26" name="PlaceHolder 1"/>
+          <p:cNvSpPr>
+            <a:spLocks noGrp="1"/>
+          </p:cNvSpPr>
+          <p:nvPr>
+            <p:ph type="title"/>
+          </p:nvPr>
+        </p:nvSpPr>
+        <p:spPr>
+          <a:xfrm>
+            <a:off x="838080" y="365040"/>
+            <a:ext cx="10515240" cy="1325160"/>
+          </a:xfrm>
+          <a:prstGeom prst="rect">
+            <a:avLst/>
+          </a:prstGeom>
+          <a:noFill/>
+          <a:ln w="0">
+            <a:noFill/>
+          </a:ln>
+        </p:spPr>
+        <p:txBody>
+          <a:bodyPr lIns="0" rIns="0" tIns="0" bIns="0" anchor="ctr">
+            <a:noAutofit/>
+          </a:bodyPr>
+          <a:p>
+            <a:pPr indent="0">
+              <a:buNone/>
+            </a:pPr>
+            <a:endParaRPr b="0" lang="ru-RU" sz="1800" strike="noStrike" u="none">
+              <a:solidFill>
+                <a:schemeClr val="dk1"/>
+              </a:solidFill>
+              <a:uFillTx/>
+              <a:latin typeface="Aptos"/>
+            </a:endParaRPr>
+          </a:p>
+        </p:txBody>
+      </p:sp>
+      <p:sp>
+        <p:nvSpPr>
+          <p:cNvPr id="27" name="PlaceHolder 2"/>
+          <p:cNvSpPr>
+            <a:spLocks noGrp="1"/>
+          </p:cNvSpPr>
+          <p:nvPr>
+            <p:ph/>
+          </p:nvPr>
+        </p:nvSpPr>
+        <p:spPr>
+          <a:xfrm>
+            <a:off x="838080" y="1825560"/>
+            <a:ext cx="10515240" cy="4350960"/>
+          </a:xfrm>
+          <a:prstGeom prst="rect">
+            <a:avLst/>
+          </a:prstGeom>
+          <a:noFill/>
+          <a:ln w="0">
+            <a:noFill/>
+          </a:ln>
+        </p:spPr>
+        <p:txBody>
+          <a:bodyPr lIns="0" rIns="0" tIns="0" bIns="0" anchor="t">
+            <a:normAutofit/>
+          </a:bodyPr>
+          <a:p>
+            <a:pPr indent="0">
+              <a:lnSpc>
+                <a:spcPct val="90000"/>
+              </a:lnSpc>
+              <a:spcBef>
+                <a:spcPts val="1417"/>
+              </a:spcBef>
+              <a:buNone/>
+            </a:pPr>
+            <a:endParaRPr b="0" lang="ru-RU" sz="2800" strike="noStrike" u="none">
+              <a:solidFill>
+                <a:schemeClr val="dk1"/>
+              </a:solidFill>
+              <a:uFillTx/>
+              <a:latin typeface="Aptos"/>
+            </a:endParaRPr>
+          </a:p>
+        </p:txBody>
+      </p:sp>
+      <p:sp>
+        <p:nvSpPr>
+          <p:cNvPr id="4" name="PlaceHolder 3"/>
+          <p:cNvSpPr>
+            <a:spLocks noGrp="1"/>
+          </p:cNvSpPr>
+          <p:nvPr>
+            <p:ph type="ftr" idx="11"/>
+          </p:nvPr>
+        </p:nvSpPr>
+        <p:spPr/>
+        <p:txBody>
+          <a:bodyPr/>
+          <a:p>
+            <a:r>
+              <a:t>Footer</a:t>
+            </a:r>
+          </a:p>
+        </p:txBody>
+      </p:sp>
+      <p:sp>
+        <p:nvSpPr>
+          <p:cNvPr id="5" name="PlaceHolder 4"/>
+          <p:cNvSpPr>
+            <a:spLocks noGrp="1"/>
+          </p:cNvSpPr>
+          <p:nvPr>
+            <p:ph type="sldNum" idx="12"/>
+          </p:nvPr>
+        </p:nvSpPr>
+        <p:spPr/>
+        <p:txBody>
+          <a:bodyPr/>
+          <a:p>
+            <a:fld id="{1CE784D6-8190-45A9-B28B-2DC571448769}" type="slidenum">
+              <a:t>&lt;#&gt;</a:t>
+            </a:fld>
+          </a:p>
+        </p:txBody>
+      </p:sp>
+      <p:sp>
+        <p:nvSpPr>
+          <p:cNvPr id="6" name="PlaceHolder 5"/>
+          <p:cNvSpPr>
+            <a:spLocks noGrp="1"/>
+          </p:cNvSpPr>
+          <p:nvPr>
+            <p:ph type="dt" idx="10"/>
+          </p:nvPr>
+        </p:nvSpPr>
+        <p:spPr/>
+        <p:txBody>
+          <a:bodyPr/>
+          <a:p>
+            <a:r>
+              <a:rPr lang="en-US"/>
+              <a:t/>
+            </a:r>
+          </a:p>
+        </p:txBody>
+      </p:sp>
+    </p:spTree>
+  </p:cSld>
+</p:sldLayout>
+</file>
+
+<file path=ppt/slideLayouts/slideLayout8.xml><?xml version="1.0" encoding="utf-8"?>
 <p:sldLayout xmlns:a="http://schemas.openxmlformats.org/drawingml/2006/main" xmlns:p="http://schemas.openxmlformats.org/presentationml/2006/main" xmlns:r="http://schemas.openxmlformats.org/officeDocument/2006/relationships" xmlns:p14="http://schemas.microsoft.com/office/powerpoint/2010/main" xmlns:p15="http://schemas.microsoft.com/office/powerpoint/2012/main" xmlns:mc="http://schemas.openxmlformats.org/markup-compatibility/2006" type="vertTitleAndTx" preserve="1">
   <p:cSld name="Заголовок и объект">
     <p:spTree>
@@ -863,7 +2096,7 @@
         <p:txBody>
           <a:bodyPr/>
           <a:p>
-            <a:fld id="{423BB6D1-14DE-4042-B506-8DC26948B95E}" type="slidenum">
+            <a:fld id="{62DF32C6-F27E-4143-A979-B5A7F65E6875}" type="slidenum">
               <a:t>&lt;#&gt;</a:t>
             </a:fld>
           </a:p>
@@ -895,7 +2128,7 @@
 </p:sldLayout>
 </file>
 
-<file path=ppt/slideLayouts/slideLayout5.xml><?xml version="1.0" encoding="utf-8"?>
+<file path=ppt/slideLayouts/slideLayout9.xml><?xml version="1.0" encoding="utf-8"?>
 <p:sldLayout xmlns:a="http://schemas.openxmlformats.org/drawingml/2006/main" xmlns:p="http://schemas.openxmlformats.org/presentationml/2006/main" xmlns:r="http://schemas.openxmlformats.org/officeDocument/2006/relationships" xmlns:p14="http://schemas.microsoft.com/office/powerpoint/2010/main" xmlns:p15="http://schemas.microsoft.com/office/powerpoint/2012/main" xmlns:mc="http://schemas.openxmlformats.org/markup-compatibility/2006" type="vertTx" preserve="1">
   <p:cSld name="Заголовок и объект">
     <p:spTree>
@@ -946,7 +2179,7 @@
         <p:txBody>
           <a:bodyPr/>
           <a:p>
-            <a:fld id="{7443237A-5497-4582-A231-CEF7AEF40A0D}" type="slidenum">
+            <a:fld id="{FE75E356-CFA1-4F3C-A5DF-5CF073475D8B}" type="slidenum">
               <a:t>&lt;#&gt;</a:t>
             </a:fld>
           </a:p>
@@ -960,643 +2193,6 @@
           </p:cNvSpPr>
           <p:nvPr>
             <p:ph type="dt" idx="10"/>
-          </p:nvPr>
-        </p:nvSpPr>
-        <p:spPr/>
-        <p:txBody>
-          <a:bodyPr/>
-          <a:p>
-            <a:r>
-              <a:rPr lang="en-US"/>
-              <a:t/>
-            </a:r>
-          </a:p>
-        </p:txBody>
-      </p:sp>
-    </p:spTree>
-  </p:cSld>
-</p:sldLayout>
-</file>
-
-<file path=ppt/slideLayouts/slideLayout6.xml><?xml version="1.0" encoding="utf-8"?>
-<p:sldLayout xmlns:a="http://schemas.openxmlformats.org/drawingml/2006/main" xmlns:p="http://schemas.openxmlformats.org/presentationml/2006/main" xmlns:r="http://schemas.openxmlformats.org/officeDocument/2006/relationships" xmlns:p14="http://schemas.microsoft.com/office/powerpoint/2010/main" xmlns:p15="http://schemas.microsoft.com/office/powerpoint/2012/main" xmlns:mc="http://schemas.openxmlformats.org/markup-compatibility/2006" type="title" preserve="1">
-  <p:cSld name="Заголовок и объект">
-    <p:spTree>
-      <p:nvGrpSpPr>
-        <p:cNvPr id="1" name=""/>
-        <p:cNvGrpSpPr/>
-        <p:nvPr/>
-      </p:nvGrpSpPr>
-      <p:grpSpPr>
-        <a:xfrm>
-          <a:off x="0" y="0"/>
-          <a:ext cx="0" cy="0"/>
-          <a:chOff x="0" y="0"/>
-          <a:chExt cx="0" cy="0"/>
-        </a:xfrm>
-      </p:grpSpPr>
-      <p:sp>
-        <p:nvSpPr>
-          <p:cNvPr id="22" name="PlaceHolder 1"/>
-          <p:cNvSpPr>
-            <a:spLocks noGrp="1"/>
-          </p:cNvSpPr>
-          <p:nvPr>
-            <p:ph type="title"/>
-          </p:nvPr>
-        </p:nvSpPr>
-        <p:spPr>
-          <a:xfrm>
-            <a:off x="838080" y="365040"/>
-            <a:ext cx="10515240" cy="1325160"/>
-          </a:xfrm>
-          <a:prstGeom prst="rect">
-            <a:avLst/>
-          </a:prstGeom>
-          <a:noFill/>
-          <a:ln w="0">
-            <a:noFill/>
-          </a:ln>
-        </p:spPr>
-        <p:txBody>
-          <a:bodyPr lIns="0" rIns="0" tIns="0" bIns="0" anchor="ctr">
-            <a:noAutofit/>
-          </a:bodyPr>
-          <a:p>
-            <a:pPr indent="0">
-              <a:buNone/>
-            </a:pPr>
-            <a:endParaRPr b="0" lang="ru-RU" sz="1800" strike="noStrike" u="none">
-              <a:solidFill>
-                <a:schemeClr val="dk1"/>
-              </a:solidFill>
-              <a:uFillTx/>
-              <a:latin typeface="Aptos"/>
-            </a:endParaRPr>
-          </a:p>
-        </p:txBody>
-      </p:sp>
-      <p:sp>
-        <p:nvSpPr>
-          <p:cNvPr id="23" name="PlaceHolder 2"/>
-          <p:cNvSpPr>
-            <a:spLocks noGrp="1"/>
-          </p:cNvSpPr>
-          <p:nvPr>
-            <p:ph type="subTitle"/>
-          </p:nvPr>
-        </p:nvSpPr>
-        <p:spPr>
-          <a:xfrm>
-            <a:off x="838080" y="1825560"/>
-            <a:ext cx="10515240" cy="4350960"/>
-          </a:xfrm>
-          <a:prstGeom prst="rect">
-            <a:avLst/>
-          </a:prstGeom>
-          <a:noFill/>
-          <a:ln w="0">
-            <a:noFill/>
-          </a:ln>
-        </p:spPr>
-        <p:txBody>
-          <a:bodyPr lIns="0" rIns="0" tIns="0" bIns="0" anchor="ctr">
-            <a:noAutofit/>
-          </a:bodyPr>
-          <a:p>
-            <a:pPr indent="0" algn="ctr">
-              <a:buNone/>
-            </a:pPr>
-            <a:endParaRPr b="0" lang="en-US" sz="3200" strike="noStrike" u="none">
-              <a:solidFill>
-                <a:srgbClr val="000000"/>
-              </a:solidFill>
-              <a:uFillTx/>
-              <a:latin typeface="Arial"/>
-            </a:endParaRPr>
-          </a:p>
-        </p:txBody>
-      </p:sp>
-      <p:sp>
-        <p:nvSpPr>
-          <p:cNvPr id="4" name="PlaceHolder 3"/>
-          <p:cNvSpPr>
-            <a:spLocks noGrp="1"/>
-          </p:cNvSpPr>
-          <p:nvPr>
-            <p:ph type="ftr" idx="11"/>
-          </p:nvPr>
-        </p:nvSpPr>
-        <p:spPr/>
-        <p:txBody>
-          <a:bodyPr/>
-          <a:p>
-            <a:r>
-              <a:t>Footer</a:t>
-            </a:r>
-          </a:p>
-        </p:txBody>
-      </p:sp>
-      <p:sp>
-        <p:nvSpPr>
-          <p:cNvPr id="5" name="PlaceHolder 4"/>
-          <p:cNvSpPr>
-            <a:spLocks noGrp="1"/>
-          </p:cNvSpPr>
-          <p:nvPr>
-            <p:ph type="sldNum" idx="12"/>
-          </p:nvPr>
-        </p:nvSpPr>
-        <p:spPr/>
-        <p:txBody>
-          <a:bodyPr/>
-          <a:p>
-            <a:fld id="{B2B32334-0D27-4834-BFB6-2A7C94B61093}" type="slidenum">
-              <a:t>&lt;#&gt;</a:t>
-            </a:fld>
-          </a:p>
-        </p:txBody>
-      </p:sp>
-      <p:sp>
-        <p:nvSpPr>
-          <p:cNvPr id="6" name="PlaceHolder 5"/>
-          <p:cNvSpPr>
-            <a:spLocks noGrp="1"/>
-          </p:cNvSpPr>
-          <p:nvPr>
-            <p:ph type="dt" idx="10"/>
-          </p:nvPr>
-        </p:nvSpPr>
-        <p:spPr/>
-        <p:txBody>
-          <a:bodyPr/>
-          <a:p>
-            <a:r>
-              <a:rPr lang="en-US"/>
-              <a:t/>
-            </a:r>
-          </a:p>
-        </p:txBody>
-      </p:sp>
-    </p:spTree>
-  </p:cSld>
-</p:sldLayout>
-</file>
-
-<file path=ppt/slideLayouts/slideLayout7.xml><?xml version="1.0" encoding="utf-8"?>
-<p:sldLayout xmlns:a="http://schemas.openxmlformats.org/drawingml/2006/main" xmlns:p="http://schemas.openxmlformats.org/presentationml/2006/main" xmlns:r="http://schemas.openxmlformats.org/officeDocument/2006/relationships" xmlns:p14="http://schemas.microsoft.com/office/powerpoint/2010/main" xmlns:p15="http://schemas.microsoft.com/office/powerpoint/2012/main" xmlns:mc="http://schemas.openxmlformats.org/markup-compatibility/2006" type="obj" preserve="1">
-  <p:cSld name="Заголовок и объект">
-    <p:spTree>
-      <p:nvGrpSpPr>
-        <p:cNvPr id="1" name=""/>
-        <p:cNvGrpSpPr/>
-        <p:nvPr/>
-      </p:nvGrpSpPr>
-      <p:grpSpPr>
-        <a:xfrm>
-          <a:off x="0" y="0"/>
-          <a:ext cx="0" cy="0"/>
-          <a:chOff x="0" y="0"/>
-          <a:chExt cx="0" cy="0"/>
-        </a:xfrm>
-      </p:grpSpPr>
-      <p:sp>
-        <p:nvSpPr>
-          <p:cNvPr id="24" name="PlaceHolder 1"/>
-          <p:cNvSpPr>
-            <a:spLocks noGrp="1"/>
-          </p:cNvSpPr>
-          <p:nvPr>
-            <p:ph type="title"/>
-          </p:nvPr>
-        </p:nvSpPr>
-        <p:spPr>
-          <a:xfrm>
-            <a:off x="838080" y="365040"/>
-            <a:ext cx="10515240" cy="1325160"/>
-          </a:xfrm>
-          <a:prstGeom prst="rect">
-            <a:avLst/>
-          </a:prstGeom>
-          <a:noFill/>
-          <a:ln w="0">
-            <a:noFill/>
-          </a:ln>
-        </p:spPr>
-        <p:txBody>
-          <a:bodyPr lIns="0" rIns="0" tIns="0" bIns="0" anchor="ctr">
-            <a:noAutofit/>
-          </a:bodyPr>
-          <a:p>
-            <a:pPr indent="0">
-              <a:buNone/>
-            </a:pPr>
-            <a:endParaRPr b="0" lang="ru-RU" sz="1800" strike="noStrike" u="none">
-              <a:solidFill>
-                <a:schemeClr val="dk1"/>
-              </a:solidFill>
-              <a:uFillTx/>
-              <a:latin typeface="Aptos"/>
-            </a:endParaRPr>
-          </a:p>
-        </p:txBody>
-      </p:sp>
-      <p:sp>
-        <p:nvSpPr>
-          <p:cNvPr id="25" name="PlaceHolder 2"/>
-          <p:cNvSpPr>
-            <a:spLocks noGrp="1"/>
-          </p:cNvSpPr>
-          <p:nvPr>
-            <p:ph/>
-          </p:nvPr>
-        </p:nvSpPr>
-        <p:spPr>
-          <a:xfrm>
-            <a:off x="838080" y="1825560"/>
-            <a:ext cx="10515240" cy="4350960"/>
-          </a:xfrm>
-          <a:prstGeom prst="rect">
-            <a:avLst/>
-          </a:prstGeom>
-          <a:noFill/>
-          <a:ln w="0">
-            <a:noFill/>
-          </a:ln>
-        </p:spPr>
-        <p:txBody>
-          <a:bodyPr lIns="0" rIns="0" tIns="0" bIns="0" anchor="t">
-            <a:normAutofit/>
-          </a:bodyPr>
-          <a:p>
-            <a:pPr indent="0">
-              <a:lnSpc>
-                <a:spcPct val="90000"/>
-              </a:lnSpc>
-              <a:spcBef>
-                <a:spcPts val="1417"/>
-              </a:spcBef>
-              <a:buNone/>
-            </a:pPr>
-            <a:endParaRPr b="0" lang="ru-RU" sz="2800" strike="noStrike" u="none">
-              <a:solidFill>
-                <a:schemeClr val="dk1"/>
-              </a:solidFill>
-              <a:uFillTx/>
-              <a:latin typeface="Aptos"/>
-            </a:endParaRPr>
-          </a:p>
-        </p:txBody>
-      </p:sp>
-      <p:sp>
-        <p:nvSpPr>
-          <p:cNvPr id="4" name="PlaceHolder 3"/>
-          <p:cNvSpPr>
-            <a:spLocks noGrp="1"/>
-          </p:cNvSpPr>
-          <p:nvPr>
-            <p:ph type="ftr" idx="11"/>
-          </p:nvPr>
-        </p:nvSpPr>
-        <p:spPr/>
-        <p:txBody>
-          <a:bodyPr/>
-          <a:p>
-            <a:r>
-              <a:t>Footer</a:t>
-            </a:r>
-          </a:p>
-        </p:txBody>
-      </p:sp>
-      <p:sp>
-        <p:nvSpPr>
-          <p:cNvPr id="5" name="PlaceHolder 4"/>
-          <p:cNvSpPr>
-            <a:spLocks noGrp="1"/>
-          </p:cNvSpPr>
-          <p:nvPr>
-            <p:ph type="sldNum" idx="12"/>
-          </p:nvPr>
-        </p:nvSpPr>
-        <p:spPr/>
-        <p:txBody>
-          <a:bodyPr/>
-          <a:p>
-            <a:fld id="{5FAC4D38-7E30-4C5C-B1B6-1D82C4E70B42}" type="slidenum">
-              <a:t>&lt;#&gt;</a:t>
-            </a:fld>
-          </a:p>
-        </p:txBody>
-      </p:sp>
-      <p:sp>
-        <p:nvSpPr>
-          <p:cNvPr id="6" name="PlaceHolder 5"/>
-          <p:cNvSpPr>
-            <a:spLocks noGrp="1"/>
-          </p:cNvSpPr>
-          <p:nvPr>
-            <p:ph type="dt" idx="10"/>
-          </p:nvPr>
-        </p:nvSpPr>
-        <p:spPr/>
-        <p:txBody>
-          <a:bodyPr/>
-          <a:p>
-            <a:r>
-              <a:rPr lang="en-US"/>
-              <a:t/>
-            </a:r>
-          </a:p>
-        </p:txBody>
-      </p:sp>
-    </p:spTree>
-  </p:cSld>
-</p:sldLayout>
-</file>
-
-<file path=ppt/slideLayouts/slideLayout8.xml><?xml version="1.0" encoding="utf-8"?>
-<p:sldLayout xmlns:a="http://schemas.openxmlformats.org/drawingml/2006/main" xmlns:p="http://schemas.openxmlformats.org/presentationml/2006/main" xmlns:r="http://schemas.openxmlformats.org/officeDocument/2006/relationships" xmlns:p14="http://schemas.microsoft.com/office/powerpoint/2010/main" xmlns:p15="http://schemas.microsoft.com/office/powerpoint/2012/main" xmlns:mc="http://schemas.openxmlformats.org/markup-compatibility/2006" type="blank" preserve="1">
-  <p:cSld name="Заголовок раздела">
-    <p:spTree>
-      <p:nvGrpSpPr>
-        <p:cNvPr id="1" name=""/>
-        <p:cNvGrpSpPr/>
-        <p:nvPr/>
-      </p:nvGrpSpPr>
-      <p:grpSpPr>
-        <a:xfrm>
-          <a:off x="0" y="0"/>
-          <a:ext cx="0" cy="0"/>
-          <a:chOff x="0" y="0"/>
-          <a:chExt cx="0" cy="0"/>
-        </a:xfrm>
-      </p:grpSpPr>
-      <p:sp>
-        <p:nvSpPr>
-          <p:cNvPr id="2" name="PlaceHolder 1"/>
-          <p:cNvSpPr>
-            <a:spLocks noGrp="1"/>
-          </p:cNvSpPr>
-          <p:nvPr>
-            <p:ph type="ftr" idx="14"/>
-          </p:nvPr>
-        </p:nvSpPr>
-        <p:spPr/>
-        <p:txBody>
-          <a:bodyPr/>
-          <a:p>
-            <a:r>
-              <a:t>Footer</a:t>
-            </a:r>
-          </a:p>
-        </p:txBody>
-      </p:sp>
-      <p:sp>
-        <p:nvSpPr>
-          <p:cNvPr id="3" name="PlaceHolder 2"/>
-          <p:cNvSpPr>
-            <a:spLocks noGrp="1"/>
-          </p:cNvSpPr>
-          <p:nvPr>
-            <p:ph type="sldNum" idx="15"/>
-          </p:nvPr>
-        </p:nvSpPr>
-        <p:spPr/>
-        <p:txBody>
-          <a:bodyPr/>
-          <a:p>
-            <a:fld id="{E21CF47F-AD56-4800-98B1-8A7C0464C537}" type="slidenum">
-              <a:t>&lt;#&gt;</a:t>
-            </a:fld>
-          </a:p>
-        </p:txBody>
-      </p:sp>
-      <p:sp>
-        <p:nvSpPr>
-          <p:cNvPr id="4" name="PlaceHolder 3"/>
-          <p:cNvSpPr>
-            <a:spLocks noGrp="1"/>
-          </p:cNvSpPr>
-          <p:nvPr>
-            <p:ph type="dt" idx="13"/>
-          </p:nvPr>
-        </p:nvSpPr>
-        <p:spPr/>
-        <p:txBody>
-          <a:bodyPr/>
-          <a:p>
-            <a:r>
-              <a:rPr lang="en-US"/>
-              <a:t/>
-            </a:r>
-          </a:p>
-        </p:txBody>
-      </p:sp>
-    </p:spTree>
-  </p:cSld>
-</p:sldLayout>
-</file>
-
-<file path=ppt/slideLayouts/slideLayout9.xml><?xml version="1.0" encoding="utf-8"?>
-<p:sldLayout xmlns:a="http://schemas.openxmlformats.org/drawingml/2006/main" xmlns:p="http://schemas.openxmlformats.org/presentationml/2006/main" xmlns:r="http://schemas.openxmlformats.org/officeDocument/2006/relationships" xmlns:p14="http://schemas.microsoft.com/office/powerpoint/2010/main" xmlns:p15="http://schemas.microsoft.com/office/powerpoint/2012/main" xmlns:mc="http://schemas.openxmlformats.org/markup-compatibility/2006" type="twoObj" preserve="1">
-  <p:cSld name="Два объекта">
-    <p:spTree>
-      <p:nvGrpSpPr>
-        <p:cNvPr id="1" name=""/>
-        <p:cNvGrpSpPr/>
-        <p:nvPr/>
-      </p:nvGrpSpPr>
-      <p:grpSpPr>
-        <a:xfrm>
-          <a:off x="0" y="0"/>
-          <a:ext cx="0" cy="0"/>
-          <a:chOff x="0" y="0"/>
-          <a:chExt cx="0" cy="0"/>
-        </a:xfrm>
-      </p:grpSpPr>
-      <p:sp>
-        <p:nvSpPr>
-          <p:cNvPr id="37" name="PlaceHolder 1"/>
-          <p:cNvSpPr>
-            <a:spLocks noGrp="1"/>
-          </p:cNvSpPr>
-          <p:nvPr>
-            <p:ph type="title"/>
-          </p:nvPr>
-        </p:nvSpPr>
-        <p:spPr>
-          <a:xfrm>
-            <a:off x="838080" y="365040"/>
-            <a:ext cx="10515240" cy="1325160"/>
-          </a:xfrm>
-          <a:prstGeom prst="rect">
-            <a:avLst/>
-          </a:prstGeom>
-          <a:noFill/>
-          <a:ln w="0">
-            <a:noFill/>
-          </a:ln>
-        </p:spPr>
-        <p:txBody>
-          <a:bodyPr lIns="0" rIns="0" tIns="0" bIns="0" anchor="ctr">
-            <a:noAutofit/>
-          </a:bodyPr>
-          <a:p>
-            <a:pPr indent="0">
-              <a:buNone/>
-            </a:pPr>
-            <a:endParaRPr b="0" lang="ru-RU" sz="1800" strike="noStrike" u="none">
-              <a:solidFill>
-                <a:schemeClr val="dk1"/>
-              </a:solidFill>
-              <a:uFillTx/>
-              <a:latin typeface="Aptos"/>
-            </a:endParaRPr>
-          </a:p>
-        </p:txBody>
-      </p:sp>
-      <p:sp>
-        <p:nvSpPr>
-          <p:cNvPr id="38" name="PlaceHolder 2"/>
-          <p:cNvSpPr>
-            <a:spLocks noGrp="1"/>
-          </p:cNvSpPr>
-          <p:nvPr>
-            <p:ph/>
-          </p:nvPr>
-        </p:nvSpPr>
-        <p:spPr>
-          <a:xfrm>
-            <a:off x="838080" y="1825560"/>
-            <a:ext cx="5131080" cy="4350960"/>
-          </a:xfrm>
-          <a:prstGeom prst="rect">
-            <a:avLst/>
-          </a:prstGeom>
-          <a:noFill/>
-          <a:ln w="0">
-            <a:noFill/>
-          </a:ln>
-        </p:spPr>
-        <p:txBody>
-          <a:bodyPr lIns="0" rIns="0" tIns="0" bIns="0" anchor="t">
-            <a:normAutofit/>
-          </a:bodyPr>
-          <a:p>
-            <a:pPr indent="0">
-              <a:lnSpc>
-                <a:spcPct val="90000"/>
-              </a:lnSpc>
-              <a:spcBef>
-                <a:spcPts val="1417"/>
-              </a:spcBef>
-              <a:buNone/>
-            </a:pPr>
-            <a:endParaRPr b="0" lang="ru-RU" sz="2800" strike="noStrike" u="none">
-              <a:solidFill>
-                <a:schemeClr val="dk1"/>
-              </a:solidFill>
-              <a:uFillTx/>
-              <a:latin typeface="Aptos"/>
-            </a:endParaRPr>
-          </a:p>
-        </p:txBody>
-      </p:sp>
-      <p:sp>
-        <p:nvSpPr>
-          <p:cNvPr id="39" name="PlaceHolder 3"/>
-          <p:cNvSpPr>
-            <a:spLocks noGrp="1"/>
-          </p:cNvSpPr>
-          <p:nvPr>
-            <p:ph/>
-          </p:nvPr>
-        </p:nvSpPr>
-        <p:spPr>
-          <a:xfrm>
-            <a:off x="6226200" y="1825560"/>
-            <a:ext cx="5131080" cy="4350960"/>
-          </a:xfrm>
-          <a:prstGeom prst="rect">
-            <a:avLst/>
-          </a:prstGeom>
-          <a:noFill/>
-          <a:ln w="0">
-            <a:noFill/>
-          </a:ln>
-        </p:spPr>
-        <p:txBody>
-          <a:bodyPr lIns="0" rIns="0" tIns="0" bIns="0" anchor="t">
-            <a:normAutofit/>
-          </a:bodyPr>
-          <a:p>
-            <a:pPr indent="0">
-              <a:lnSpc>
-                <a:spcPct val="90000"/>
-              </a:lnSpc>
-              <a:spcBef>
-                <a:spcPts val="1417"/>
-              </a:spcBef>
-              <a:buNone/>
-            </a:pPr>
-            <a:endParaRPr b="0" lang="ru-RU" sz="2800" strike="noStrike" u="none">
-              <a:solidFill>
-                <a:schemeClr val="dk1"/>
-              </a:solidFill>
-              <a:uFillTx/>
-              <a:latin typeface="Aptos"/>
-            </a:endParaRPr>
-          </a:p>
-        </p:txBody>
-      </p:sp>
-      <p:sp>
-        <p:nvSpPr>
-          <p:cNvPr id="5" name="PlaceHolder 4"/>
-          <p:cNvSpPr>
-            <a:spLocks noGrp="1"/>
-          </p:cNvSpPr>
-          <p:nvPr>
-            <p:ph type="ftr" idx="17"/>
-          </p:nvPr>
-        </p:nvSpPr>
-        <p:spPr/>
-        <p:txBody>
-          <a:bodyPr/>
-          <a:p>
-            <a:r>
-              <a:t>Footer</a:t>
-            </a:r>
-          </a:p>
-        </p:txBody>
-      </p:sp>
-      <p:sp>
-        <p:nvSpPr>
-          <p:cNvPr id="6" name="PlaceHolder 5"/>
-          <p:cNvSpPr>
-            <a:spLocks noGrp="1"/>
-          </p:cNvSpPr>
-          <p:nvPr>
-            <p:ph type="sldNum" idx="18"/>
-          </p:nvPr>
-        </p:nvSpPr>
-        <p:spPr/>
-        <p:txBody>
-          <a:bodyPr/>
-          <a:p>
-            <a:fld id="{C33C44A4-DEFA-4B39-B0B0-5D5B3FC25DA3}" type="slidenum">
-              <a:t>&lt;#&gt;</a:t>
-            </a:fld>
-          </a:p>
-        </p:txBody>
-      </p:sp>
-      <p:sp>
-        <p:nvSpPr>
-          <p:cNvPr id="7" name="PlaceHolder 6"/>
-          <p:cNvSpPr>
-            <a:spLocks noGrp="1"/>
-          </p:cNvSpPr>
-          <p:nvPr>
-            <p:ph type="dt" idx="16"/>
           </p:nvPr>
         </p:nvSpPr>
         <p:spPr/>
@@ -1754,7 +2350,7 @@
                 <a:uFillTx/>
                 <a:latin typeface="Aptos"/>
               </a:rPr>
-              <a:t>&lt;date/time&gt;</a:t>
+              <a:t> </a:t>
             </a:r>
             <a:endParaRPr b="0" lang="en-US" sz="1200" strike="noStrike" u="none">
               <a:solidFill>
@@ -1817,7 +2413,7 @@
                 <a:uFillTx/>
                 <a:latin typeface="Times New Roman"/>
               </a:rPr>
-              <a:t>&lt;footer&gt;</a:t>
+              <a:t> </a:t>
             </a:r>
             <a:endParaRPr b="0" lang="en-US" sz="1400" strike="noStrike" u="none">
               <a:solidFill>
@@ -1880,7 +2476,7 @@
               </a:lnSpc>
               <a:buNone/>
             </a:pPr>
-            <a:fld id="{14F23909-C8CF-4DAF-936D-4EEA0B711C31}" type="slidenum">
+            <a:fld id="{4DE5699E-D94B-4E96-A54A-3A8FB74D3A72}" type="slidenum">
               <a:rPr b="0" lang="ru-RU" sz="1200" strike="noStrike" u="none">
                 <a:solidFill>
                   <a:schemeClr val="dk1">
@@ -1890,7 +2486,7 @@
                 <a:uFillTx/>
                 <a:latin typeface="Aptos"/>
               </a:rPr>
-              <a:t>&lt;number&gt;</a:t>
+              <a:t>4</a:t>
             </a:fld>
             <a:endParaRPr b="0" lang="en-US" sz="1200" strike="noStrike" u="none">
               <a:solidFill>
@@ -2197,7 +2793,7 @@
       </p:grpSpPr>
       <p:sp>
         <p:nvSpPr>
-          <p:cNvPr id="56" name="PlaceHolder 1"/>
+          <p:cNvPr id="62" name="PlaceHolder 1"/>
           <p:cNvSpPr>
             <a:spLocks noGrp="1"/>
           </p:cNvSpPr>
@@ -2251,7 +2847,7 @@
       </p:sp>
       <p:sp>
         <p:nvSpPr>
-          <p:cNvPr id="57" name="PlaceHolder 2"/>
+          <p:cNvPr id="63" name="PlaceHolder 2"/>
           <p:cNvSpPr>
             <a:spLocks noGrp="1"/>
           </p:cNvSpPr>
@@ -2440,7 +3036,7 @@
       </p:sp>
       <p:sp>
         <p:nvSpPr>
-          <p:cNvPr id="58" name="PlaceHolder 3"/>
+          <p:cNvPr id="64" name="PlaceHolder 3"/>
           <p:cNvSpPr>
             <a:spLocks noGrp="1"/>
           </p:cNvSpPr>
@@ -2500,7 +3096,7 @@
       </p:sp>
       <p:sp>
         <p:nvSpPr>
-          <p:cNvPr id="59" name="PlaceHolder 4"/>
+          <p:cNvPr id="65" name="PlaceHolder 4"/>
           <p:cNvSpPr>
             <a:spLocks noGrp="1"/>
           </p:cNvSpPr>
@@ -2573,7 +3169,7 @@
       </p:sp>
       <p:sp>
         <p:nvSpPr>
-          <p:cNvPr id="60" name="PlaceHolder 5"/>
+          <p:cNvPr id="66" name="PlaceHolder 5"/>
           <p:cNvSpPr>
             <a:spLocks noGrp="1"/>
           </p:cNvSpPr>
@@ -2636,7 +3232,7 @@
       </p:sp>
       <p:sp>
         <p:nvSpPr>
-          <p:cNvPr id="61" name="PlaceHolder 6"/>
+          <p:cNvPr id="67" name="PlaceHolder 6"/>
           <p:cNvSpPr>
             <a:spLocks noGrp="1"/>
           </p:cNvSpPr>
@@ -2685,7 +3281,7 @@
               </a:lnSpc>
               <a:buNone/>
             </a:pPr>
-            <a:fld id="{80F656C9-6A20-4F4E-A873-0B5D991A2659}" type="slidenum">
+            <a:fld id="{222BABA3-E4E5-4182-BF48-A65137688E5E}" type="slidenum">
               <a:rPr b="0" lang="ru-RU" sz="1200" strike="noStrike" u="none">
                 <a:solidFill>
                   <a:schemeClr val="dk1">
@@ -2711,7 +3307,7 @@
   </p:cSld>
   <p:clrMap bg1="lt1" tx1="dk1" bg2="lt2" tx2="dk2" accent1="accent1" accent2="accent2" accent3="accent3" accent4="accent4" accent5="accent5" accent6="accent6" hlink="hlink" folHlink="folHlink"/>
   <p:sldLayoutIdLst>
-    <p:sldLayoutId id="2147483670" r:id="rId2"/>
+    <p:sldLayoutId id="2147483674" r:id="rId2"/>
   </p:sldLayoutIdLst>
 </p:sldMaster>
 </file>
@@ -2742,7 +3338,7 @@
       </p:grpSpPr>
       <p:sp>
         <p:nvSpPr>
-          <p:cNvPr id="62" name="PlaceHolder 1"/>
+          <p:cNvPr id="68" name="PlaceHolder 1"/>
           <p:cNvSpPr>
             <a:spLocks noGrp="1"/>
           </p:cNvSpPr>
@@ -2796,7 +3392,7 @@
       </p:sp>
       <p:sp>
         <p:nvSpPr>
-          <p:cNvPr id="63" name="PlaceHolder 2"/>
+          <p:cNvPr id="69" name="PlaceHolder 2"/>
           <p:cNvSpPr>
             <a:spLocks noGrp="1"/>
           </p:cNvSpPr>
@@ -3056,7 +3652,7 @@
       </p:sp>
       <p:sp>
         <p:nvSpPr>
-          <p:cNvPr id="64" name="PlaceHolder 3"/>
+          <p:cNvPr id="70" name="PlaceHolder 3"/>
           <p:cNvSpPr>
             <a:spLocks noGrp="1"/>
           </p:cNvSpPr>
@@ -3116,7 +3712,7 @@
       </p:sp>
       <p:sp>
         <p:nvSpPr>
-          <p:cNvPr id="65" name="PlaceHolder 4"/>
+          <p:cNvPr id="71" name="PlaceHolder 4"/>
           <p:cNvSpPr>
             <a:spLocks noGrp="1"/>
           </p:cNvSpPr>
@@ -3189,7 +3785,7 @@
       </p:sp>
       <p:sp>
         <p:nvSpPr>
-          <p:cNvPr id="66" name="PlaceHolder 5"/>
+          <p:cNvPr id="72" name="PlaceHolder 5"/>
           <p:cNvSpPr>
             <a:spLocks noGrp="1"/>
           </p:cNvSpPr>
@@ -3252,7 +3848,7 @@
       </p:sp>
       <p:sp>
         <p:nvSpPr>
-          <p:cNvPr id="67" name="PlaceHolder 6"/>
+          <p:cNvPr id="73" name="PlaceHolder 6"/>
           <p:cNvSpPr>
             <a:spLocks noGrp="1"/>
           </p:cNvSpPr>
@@ -3301,7 +3897,7 @@
               </a:lnSpc>
               <a:buNone/>
             </a:pPr>
-            <a:fld id="{0560D214-84AB-433D-9681-40F3AA20E14B}" type="slidenum">
+            <a:fld id="{8D683231-794A-43C1-91EF-E2B83FAFC599}" type="slidenum">
               <a:rPr b="0" lang="ru-RU" sz="1200" strike="noStrike" u="none">
                 <a:solidFill>
                   <a:schemeClr val="dk1">
@@ -3327,7 +3923,7 @@
   </p:cSld>
   <p:clrMap bg1="lt1" tx1="dk1" bg2="lt2" tx2="dk2" accent1="accent1" accent2="accent2" accent3="accent3" accent4="accent4" accent5="accent5" accent6="accent6" hlink="hlink" folHlink="folHlink"/>
   <p:sldLayoutIdLst>
-    <p:sldLayoutId id="2147483672" r:id="rId2"/>
+    <p:sldLayoutId id="2147483676" r:id="rId2"/>
   </p:sldLayoutIdLst>
 </p:sldMaster>
 </file>
@@ -3786,7 +4382,7 @@
               </a:lnSpc>
               <a:buNone/>
             </a:pPr>
-            <a:fld id="{41D813AF-D3E5-46E3-B3D7-C14AB6CB4130}" type="slidenum">
+            <a:fld id="{972099FE-9454-473C-B0DD-C54D69D37E1A}" type="slidenum">
               <a:rPr b="0" lang="ru-RU" sz="1200" strike="noStrike" u="none">
                 <a:solidFill>
                   <a:schemeClr val="dk1">
@@ -4271,7 +4867,7 @@
               </a:lnSpc>
               <a:buNone/>
             </a:pPr>
-            <a:fld id="{287C6469-E2CF-41C3-9573-C227EE04D727}" type="slidenum">
+            <a:fld id="{F95BA2D3-4A0E-460F-BC2F-C74EC33AEF4D}" type="slidenum">
               <a:rPr b="0" lang="ru-RU" sz="1200" strike="noStrike" u="none">
                 <a:solidFill>
                   <a:schemeClr val="dk1">
@@ -4630,7 +5226,7 @@
                 <a:uFillTx/>
                 <a:latin typeface="Aptos"/>
               </a:rPr>
-              <a:t>&lt;date/time&gt;</a:t>
+              <a:t> </a:t>
             </a:r>
             <a:endParaRPr b="0" lang="en-US" sz="1200" strike="noStrike" u="none">
               <a:solidFill>
@@ -4693,7 +5289,7 @@
                 <a:uFillTx/>
                 <a:latin typeface="Times New Roman"/>
               </a:rPr>
-              <a:t>&lt;footer&gt;</a:t>
+              <a:t> </a:t>
             </a:r>
             <a:endParaRPr b="0" lang="en-US" sz="1400" strike="noStrike" u="none">
               <a:solidFill>
@@ -4756,7 +5352,7 @@
               </a:lnSpc>
               <a:buNone/>
             </a:pPr>
-            <a:fld id="{0869E038-E54D-4F30-856F-4A01F80ADD20}" type="slidenum">
+            <a:fld id="{7B325C98-592C-4FA9-9422-52A75E6E3604}" type="slidenum">
               <a:rPr b="0" lang="ru-RU" sz="1200" strike="noStrike" u="none">
                 <a:solidFill>
                   <a:schemeClr val="dk1">
@@ -4766,7 +5362,7 @@
                 <a:uFillTx/>
                 <a:latin typeface="Aptos"/>
               </a:rPr>
-              <a:t>&lt;number&gt;</a:t>
+              <a:t>1</a:t>
             </a:fld>
             <a:endParaRPr b="0" lang="en-US" sz="1200" strike="noStrike" u="none">
               <a:solidFill>
@@ -4786,6 +5382,10 @@
     <p:sldLayoutId id="2147483656" r:id="rId3"/>
     <p:sldLayoutId id="2147483657" r:id="rId4"/>
     <p:sldLayoutId id="2147483658" r:id="rId5"/>
+    <p:sldLayoutId id="2147483659" r:id="rId6"/>
+    <p:sldLayoutId id="2147483660" r:id="rId7"/>
+    <p:sldLayoutId id="2147483661" r:id="rId8"/>
+    <p:sldLayoutId id="2147483662" r:id="rId9"/>
   </p:sldLayoutIdLst>
 </p:sldMaster>
 </file>
@@ -4816,7 +5416,7 @@
       </p:grpSpPr>
       <p:sp>
         <p:nvSpPr>
-          <p:cNvPr id="26" name="PlaceHolder 1"/>
+          <p:cNvPr id="32" name="PlaceHolder 1"/>
           <p:cNvSpPr>
             <a:spLocks noGrp="1"/>
           </p:cNvSpPr>
@@ -4870,7 +5470,7 @@
       </p:sp>
       <p:sp>
         <p:nvSpPr>
-          <p:cNvPr id="27" name="PlaceHolder 2"/>
+          <p:cNvPr id="33" name="PlaceHolder 2"/>
           <p:cNvSpPr>
             <a:spLocks noGrp="1"/>
           </p:cNvSpPr>
@@ -4932,7 +5532,7 @@
       </p:sp>
       <p:sp>
         <p:nvSpPr>
-          <p:cNvPr id="28" name="PlaceHolder 3"/>
+          <p:cNvPr id="34" name="PlaceHolder 3"/>
           <p:cNvSpPr>
             <a:spLocks noGrp="1"/>
           </p:cNvSpPr>
@@ -4991,7 +5591,7 @@
                 <a:uFillTx/>
                 <a:latin typeface="Aptos"/>
               </a:rPr>
-              <a:t>&lt;date/time&gt;</a:t>
+              <a:t> </a:t>
             </a:r>
             <a:endParaRPr b="0" lang="en-US" sz="1200" strike="noStrike" u="none">
               <a:solidFill>
@@ -5005,7 +5605,7 @@
       </p:sp>
       <p:sp>
         <p:nvSpPr>
-          <p:cNvPr id="29" name="PlaceHolder 4"/>
+          <p:cNvPr id="35" name="PlaceHolder 4"/>
           <p:cNvSpPr>
             <a:spLocks noGrp="1"/>
           </p:cNvSpPr>
@@ -5054,7 +5654,7 @@
                 <a:uFillTx/>
                 <a:latin typeface="Times New Roman"/>
               </a:rPr>
-              <a:t>&lt;footer&gt;</a:t>
+              <a:t> </a:t>
             </a:r>
             <a:endParaRPr b="0" lang="en-US" sz="1400" strike="noStrike" u="none">
               <a:solidFill>
@@ -5068,7 +5668,7 @@
       </p:sp>
       <p:sp>
         <p:nvSpPr>
-          <p:cNvPr id="30" name="PlaceHolder 5"/>
+          <p:cNvPr id="36" name="PlaceHolder 5"/>
           <p:cNvSpPr>
             <a:spLocks noGrp="1"/>
           </p:cNvSpPr>
@@ -5117,7 +5717,7 @@
               </a:lnSpc>
               <a:buNone/>
             </a:pPr>
-            <a:fld id="{42B82F0F-BD0A-439F-B420-AE30F610AB85}" type="slidenum">
+            <a:fld id="{B4A2AC18-EC84-4213-BC62-261040D63BA1}" type="slidenum">
               <a:rPr b="0" lang="ru-RU" sz="1200" strike="noStrike" u="none">
                 <a:solidFill>
                   <a:schemeClr val="dk1">
@@ -5127,7 +5727,7 @@
                 <a:uFillTx/>
                 <a:latin typeface="Aptos"/>
               </a:rPr>
-              <a:t>&lt;number&gt;</a:t>
+              <a:t>1</a:t>
             </a:fld>
             <a:endParaRPr b="0" lang="en-US" sz="1200" strike="noStrike" u="none">
               <a:solidFill>
@@ -5143,7 +5743,7 @@
   </p:cSld>
   <p:clrMap bg1="lt1" tx1="dk1" bg2="lt2" tx2="dk2" accent1="accent1" accent2="accent2" accent3="accent3" accent4="accent4" accent5="accent5" accent6="accent6" hlink="hlink" folHlink="folHlink"/>
   <p:sldLayoutIdLst>
-    <p:sldLayoutId id="2147483660" r:id="rId2"/>
+    <p:sldLayoutId id="2147483664" r:id="rId2"/>
   </p:sldLayoutIdLst>
 </p:sldMaster>
 </file>
@@ -5174,7 +5774,7 @@
       </p:grpSpPr>
       <p:sp>
         <p:nvSpPr>
-          <p:cNvPr id="31" name="PlaceHolder 1"/>
+          <p:cNvPr id="37" name="PlaceHolder 1"/>
           <p:cNvSpPr>
             <a:spLocks noGrp="1"/>
           </p:cNvSpPr>
@@ -5228,7 +5828,7 @@
       </p:sp>
       <p:sp>
         <p:nvSpPr>
-          <p:cNvPr id="32" name="PlaceHolder 2"/>
+          <p:cNvPr id="38" name="PlaceHolder 2"/>
           <p:cNvSpPr>
             <a:spLocks noGrp="1"/>
           </p:cNvSpPr>
@@ -5417,7 +6017,7 @@
       </p:sp>
       <p:sp>
         <p:nvSpPr>
-          <p:cNvPr id="33" name="PlaceHolder 3"/>
+          <p:cNvPr id="39" name="PlaceHolder 3"/>
           <p:cNvSpPr>
             <a:spLocks noGrp="1"/>
           </p:cNvSpPr>
@@ -5606,7 +6206,7 @@
       </p:sp>
       <p:sp>
         <p:nvSpPr>
-          <p:cNvPr id="34" name="PlaceHolder 4"/>
+          <p:cNvPr id="40" name="PlaceHolder 4"/>
           <p:cNvSpPr>
             <a:spLocks noGrp="1"/>
           </p:cNvSpPr>
@@ -5665,7 +6265,7 @@
                 <a:uFillTx/>
                 <a:latin typeface="Aptos"/>
               </a:rPr>
-              <a:t>&lt;date/time&gt;</a:t>
+              <a:t> </a:t>
             </a:r>
             <a:endParaRPr b="0" lang="en-US" sz="1200" strike="noStrike" u="none">
               <a:solidFill>
@@ -5679,7 +6279,7 @@
       </p:sp>
       <p:sp>
         <p:nvSpPr>
-          <p:cNvPr id="35" name="PlaceHolder 5"/>
+          <p:cNvPr id="41" name="PlaceHolder 5"/>
           <p:cNvSpPr>
             <a:spLocks noGrp="1"/>
           </p:cNvSpPr>
@@ -5728,7 +6328,7 @@
                 <a:uFillTx/>
                 <a:latin typeface="Times New Roman"/>
               </a:rPr>
-              <a:t>&lt;footer&gt;</a:t>
+              <a:t> </a:t>
             </a:r>
             <a:endParaRPr b="0" lang="en-US" sz="1400" strike="noStrike" u="none">
               <a:solidFill>
@@ -5742,7 +6342,7 @@
       </p:sp>
       <p:sp>
         <p:nvSpPr>
-          <p:cNvPr id="36" name="PlaceHolder 6"/>
+          <p:cNvPr id="42" name="PlaceHolder 6"/>
           <p:cNvSpPr>
             <a:spLocks noGrp="1"/>
           </p:cNvSpPr>
@@ -5791,7 +6391,7 @@
               </a:lnSpc>
               <a:buNone/>
             </a:pPr>
-            <a:fld id="{FE1B5EA7-DFA2-48E0-90AC-835A41614094}" type="slidenum">
+            <a:fld id="{68D423FE-293F-4457-A5F0-AF36B53C3561}" type="slidenum">
               <a:rPr b="0" lang="ru-RU" sz="1200" strike="noStrike" u="none">
                 <a:solidFill>
                   <a:schemeClr val="dk1">
@@ -5801,7 +6401,7 @@
                 <a:uFillTx/>
                 <a:latin typeface="Aptos"/>
               </a:rPr>
-              <a:t>&lt;number&gt;</a:t>
+              <a:t>1</a:t>
             </a:fld>
             <a:endParaRPr b="0" lang="en-US" sz="1200" strike="noStrike" u="none">
               <a:solidFill>
@@ -5817,7 +6417,7 @@
   </p:cSld>
   <p:clrMap bg1="lt1" tx1="dk1" bg2="lt2" tx2="dk2" accent1="accent1" accent2="accent2" accent3="accent3" accent4="accent4" accent5="accent5" accent6="accent6" hlink="hlink" folHlink="folHlink"/>
   <p:sldLayoutIdLst>
-    <p:sldLayoutId id="2147483662" r:id="rId2"/>
+    <p:sldLayoutId id="2147483666" r:id="rId2"/>
   </p:sldLayoutIdLst>
 </p:sldMaster>
 </file>
@@ -5848,7 +6448,7 @@
       </p:grpSpPr>
       <p:sp>
         <p:nvSpPr>
-          <p:cNvPr id="40" name="PlaceHolder 1"/>
+          <p:cNvPr id="46" name="PlaceHolder 1"/>
           <p:cNvSpPr>
             <a:spLocks noGrp="1"/>
           </p:cNvSpPr>
@@ -5902,7 +6502,7 @@
       </p:sp>
       <p:sp>
         <p:nvSpPr>
-          <p:cNvPr id="41" name="PlaceHolder 2"/>
+          <p:cNvPr id="47" name="PlaceHolder 2"/>
           <p:cNvSpPr>
             <a:spLocks noGrp="1"/>
           </p:cNvSpPr>
@@ -5962,7 +6562,7 @@
       </p:sp>
       <p:sp>
         <p:nvSpPr>
-          <p:cNvPr id="42" name="PlaceHolder 3"/>
+          <p:cNvPr id="48" name="PlaceHolder 3"/>
           <p:cNvSpPr>
             <a:spLocks noGrp="1"/>
           </p:cNvSpPr>
@@ -6151,7 +6751,7 @@
       </p:sp>
       <p:sp>
         <p:nvSpPr>
-          <p:cNvPr id="43" name="PlaceHolder 4"/>
+          <p:cNvPr id="49" name="PlaceHolder 4"/>
           <p:cNvSpPr>
             <a:spLocks noGrp="1"/>
           </p:cNvSpPr>
@@ -6211,7 +6811,7 @@
       </p:sp>
       <p:sp>
         <p:nvSpPr>
-          <p:cNvPr id="44" name="PlaceHolder 5"/>
+          <p:cNvPr id="50" name="PlaceHolder 5"/>
           <p:cNvSpPr>
             <a:spLocks noGrp="1"/>
           </p:cNvSpPr>
@@ -6400,7 +7000,7 @@
       </p:sp>
       <p:sp>
         <p:nvSpPr>
-          <p:cNvPr id="45" name="PlaceHolder 6"/>
+          <p:cNvPr id="51" name="PlaceHolder 6"/>
           <p:cNvSpPr>
             <a:spLocks noGrp="1"/>
           </p:cNvSpPr>
@@ -6459,7 +7059,7 @@
                 <a:uFillTx/>
                 <a:latin typeface="Aptos"/>
               </a:rPr>
-              <a:t>&lt;date/time&gt;</a:t>
+              <a:t> </a:t>
             </a:r>
             <a:endParaRPr b="0" lang="en-US" sz="1200" strike="noStrike" u="none">
               <a:solidFill>
@@ -6473,7 +7073,7 @@
       </p:sp>
       <p:sp>
         <p:nvSpPr>
-          <p:cNvPr id="46" name="PlaceHolder 7"/>
+          <p:cNvPr id="52" name="PlaceHolder 7"/>
           <p:cNvSpPr>
             <a:spLocks noGrp="1"/>
           </p:cNvSpPr>
@@ -6522,7 +7122,7 @@
                 <a:uFillTx/>
                 <a:latin typeface="Times New Roman"/>
               </a:rPr>
-              <a:t>&lt;footer&gt;</a:t>
+              <a:t> </a:t>
             </a:r>
             <a:endParaRPr b="0" lang="en-US" sz="1400" strike="noStrike" u="none">
               <a:solidFill>
@@ -6536,7 +7136,7 @@
       </p:sp>
       <p:sp>
         <p:nvSpPr>
-          <p:cNvPr id="47" name="PlaceHolder 8"/>
+          <p:cNvPr id="53" name="PlaceHolder 8"/>
           <p:cNvSpPr>
             <a:spLocks noGrp="1"/>
           </p:cNvSpPr>
@@ -6585,7 +7185,7 @@
               </a:lnSpc>
               <a:buNone/>
             </a:pPr>
-            <a:fld id="{FF46B7A7-D8D4-41A3-B1B1-A42ABF4679F4}" type="slidenum">
+            <a:fld id="{00089DDF-15EE-4D91-8890-E9674C414E69}" type="slidenum">
               <a:rPr b="0" lang="ru-RU" sz="1200" strike="noStrike" u="none">
                 <a:solidFill>
                   <a:schemeClr val="dk1">
@@ -6595,7 +7195,7 @@
                 <a:uFillTx/>
                 <a:latin typeface="Aptos"/>
               </a:rPr>
-              <a:t>&lt;number&gt;</a:t>
+              <a:t>1</a:t>
             </a:fld>
             <a:endParaRPr b="0" lang="en-US" sz="1200" strike="noStrike" u="none">
               <a:solidFill>
@@ -6611,7 +7211,7 @@
   </p:cSld>
   <p:clrMap bg1="lt1" tx1="dk1" bg2="lt2" tx2="dk2" accent1="accent1" accent2="accent2" accent3="accent3" accent4="accent4" accent5="accent5" accent6="accent6" hlink="hlink" folHlink="folHlink"/>
   <p:sldLayoutIdLst>
-    <p:sldLayoutId id="2147483664" r:id="rId2"/>
+    <p:sldLayoutId id="2147483668" r:id="rId2"/>
   </p:sldLayoutIdLst>
 </p:sldMaster>
 </file>
@@ -6642,7 +7242,7 @@
       </p:grpSpPr>
       <p:sp>
         <p:nvSpPr>
-          <p:cNvPr id="48" name="PlaceHolder 1"/>
+          <p:cNvPr id="54" name="PlaceHolder 1"/>
           <p:cNvSpPr>
             <a:spLocks noGrp="1"/>
           </p:cNvSpPr>
@@ -6696,7 +7296,7 @@
       </p:sp>
       <p:sp>
         <p:nvSpPr>
-          <p:cNvPr id="49" name="PlaceHolder 2"/>
+          <p:cNvPr id="55" name="PlaceHolder 2"/>
           <p:cNvSpPr>
             <a:spLocks noGrp="1"/>
           </p:cNvSpPr>
@@ -6755,7 +7355,7 @@
                 <a:uFillTx/>
                 <a:latin typeface="Aptos"/>
               </a:rPr>
-              <a:t>&lt;date/time&gt;</a:t>
+              <a:t> </a:t>
             </a:r>
             <a:endParaRPr b="0" lang="en-US" sz="1200" strike="noStrike" u="none">
               <a:solidFill>
@@ -6769,7 +7369,7 @@
       </p:sp>
       <p:sp>
         <p:nvSpPr>
-          <p:cNvPr id="50" name="PlaceHolder 3"/>
+          <p:cNvPr id="56" name="PlaceHolder 3"/>
           <p:cNvSpPr>
             <a:spLocks noGrp="1"/>
           </p:cNvSpPr>
@@ -6818,7 +7418,7 @@
                 <a:uFillTx/>
                 <a:latin typeface="Times New Roman"/>
               </a:rPr>
-              <a:t>&lt;footer&gt;</a:t>
+              <a:t> </a:t>
             </a:r>
             <a:endParaRPr b="0" lang="en-US" sz="1400" strike="noStrike" u="none">
               <a:solidFill>
@@ -6832,7 +7432,7 @@
       </p:sp>
       <p:sp>
         <p:nvSpPr>
-          <p:cNvPr id="51" name="PlaceHolder 4"/>
+          <p:cNvPr id="57" name="PlaceHolder 4"/>
           <p:cNvSpPr>
             <a:spLocks noGrp="1"/>
           </p:cNvSpPr>
@@ -6881,7 +7481,7 @@
               </a:lnSpc>
               <a:buNone/>
             </a:pPr>
-            <a:fld id="{DAE77CB1-5581-4E46-83C9-1CEE0D3A9951}" type="slidenum">
+            <a:fld id="{3C435927-43B1-4154-950E-F9117FCFFDCC}" type="slidenum">
               <a:rPr b="0" lang="ru-RU" sz="1200" strike="noStrike" u="none">
                 <a:solidFill>
                   <a:schemeClr val="dk1">
@@ -6891,7 +7491,7 @@
                 <a:uFillTx/>
                 <a:latin typeface="Aptos"/>
               </a:rPr>
-              <a:t>&lt;number&gt;</a:t>
+              <a:t>1</a:t>
             </a:fld>
             <a:endParaRPr b="0" lang="en-US" sz="1200" strike="noStrike" u="none">
               <a:solidFill>
@@ -6907,7 +7507,7 @@
   </p:cSld>
   <p:clrMap bg1="lt1" tx1="dk1" bg2="lt2" tx2="dk2" accent1="accent1" accent2="accent2" accent3="accent3" accent4="accent4" accent5="accent5" accent6="accent6" hlink="hlink" folHlink="folHlink"/>
   <p:sldLayoutIdLst>
-    <p:sldLayoutId id="2147483666" r:id="rId2"/>
+    <p:sldLayoutId id="2147483670" r:id="rId2"/>
   </p:sldLayoutIdLst>
 </p:sldMaster>
 </file>
@@ -6938,7 +7538,7 @@
       </p:grpSpPr>
       <p:sp>
         <p:nvSpPr>
-          <p:cNvPr id="53" name="PlaceHolder 1"/>
+          <p:cNvPr id="59" name="PlaceHolder 1"/>
           <p:cNvSpPr>
             <a:spLocks noGrp="1"/>
           </p:cNvSpPr>
@@ -6997,7 +7597,7 @@
                 <a:uFillTx/>
                 <a:latin typeface="Aptos"/>
               </a:rPr>
-              <a:t>&lt;date/time&gt;</a:t>
+              <a:t> </a:t>
             </a:r>
             <a:endParaRPr b="0" lang="en-US" sz="1200" strike="noStrike" u="none">
               <a:solidFill>
@@ -7011,7 +7611,7 @@
       </p:sp>
       <p:sp>
         <p:nvSpPr>
-          <p:cNvPr id="54" name="PlaceHolder 2"/>
+          <p:cNvPr id="60" name="PlaceHolder 2"/>
           <p:cNvSpPr>
             <a:spLocks noGrp="1"/>
           </p:cNvSpPr>
@@ -7060,7 +7660,7 @@
                 <a:uFillTx/>
                 <a:latin typeface="Times New Roman"/>
               </a:rPr>
-              <a:t>&lt;footer&gt;</a:t>
+              <a:t> </a:t>
             </a:r>
             <a:endParaRPr b="0" lang="en-US" sz="1400" strike="noStrike" u="none">
               <a:solidFill>
@@ -7074,7 +7674,7 @@
       </p:sp>
       <p:sp>
         <p:nvSpPr>
-          <p:cNvPr id="55" name="PlaceHolder 3"/>
+          <p:cNvPr id="61" name="PlaceHolder 3"/>
           <p:cNvSpPr>
             <a:spLocks noGrp="1"/>
           </p:cNvSpPr>
@@ -7123,7 +7723,7 @@
               </a:lnSpc>
               <a:buNone/>
             </a:pPr>
-            <a:fld id="{785EF894-7654-4F41-86CD-D19128814357}" type="slidenum">
+            <a:fld id="{74FB3BFC-41DA-4E89-A1BF-D15E2716F328}" type="slidenum">
               <a:rPr b="0" lang="ru-RU" sz="1200" strike="noStrike" u="none">
                 <a:solidFill>
                   <a:schemeClr val="dk1">
@@ -7133,7 +7733,7 @@
                 <a:uFillTx/>
                 <a:latin typeface="Aptos"/>
               </a:rPr>
-              <a:t>&lt;number&gt;</a:t>
+              <a:t>1</a:t>
             </a:fld>
             <a:endParaRPr b="0" lang="en-US" sz="1200" strike="noStrike" u="none">
               <a:solidFill>
@@ -7149,7 +7749,7 @@
   </p:cSld>
   <p:clrMap bg1="lt1" tx1="dk1" bg2="lt2" tx2="dk2" accent1="accent1" accent2="accent2" accent3="accent3" accent4="accent4" accent5="accent5" accent6="accent6" hlink="hlink" folHlink="folHlink"/>
   <p:sldLayoutIdLst>
-    <p:sldLayoutId id="2147483668" r:id="rId2"/>
+    <p:sldLayoutId id="2147483672" r:id="rId2"/>
   </p:sldLayoutIdLst>
 </p:sldMaster>
 </file>
@@ -7173,7 +7773,7 @@
       </p:grpSpPr>
       <p:sp>
         <p:nvSpPr>
-          <p:cNvPr id="68" name="PlaceHolder 1"/>
+          <p:cNvPr id="74" name="PlaceHolder 1"/>
           <p:cNvSpPr>
             <a:spLocks noGrp="1"/>
           </p:cNvSpPr>
@@ -7213,7 +7813,7 @@
                 <a:uFillTx/>
                 <a:latin typeface="Aptos Display"/>
               </a:rPr>
-              <a:t>ИИ для Сво</a:t>
+              <a:t>ИИ для лазерной обработки</a:t>
             </a:r>
             <a:endParaRPr b="0" lang="ru-RU" sz="6000" strike="noStrike" u="none">
               <a:solidFill>
@@ -7227,7 +7827,7 @@
       </p:sp>
       <p:sp>
         <p:nvSpPr>
-          <p:cNvPr id="69" name="PlaceHolder 2"/>
+          <p:cNvPr id="75" name="PlaceHolder 2"/>
           <p:cNvSpPr>
             <a:spLocks noGrp="1"/>
           </p:cNvSpPr>
@@ -7317,7 +7917,7 @@
       </p:grpSpPr>
       <p:sp>
         <p:nvSpPr>
-          <p:cNvPr id="70" name="PlaceHolder 1"/>
+          <p:cNvPr id="76" name="PlaceHolder 1"/>
           <p:cNvSpPr>
             <a:spLocks noGrp="1"/>
           </p:cNvSpPr>
@@ -7371,7 +7971,7 @@
       </p:sp>
       <p:pic>
         <p:nvPicPr>
-          <p:cNvPr id="71" name="Рисунок 3" descr="python - Official Image | Docker Hub"/>
+          <p:cNvPr id="77" name="Рисунок 3" descr="python - Official Image | Docker Hub"/>
           <p:cNvPicPr/>
           <p:nvPr/>
         </p:nvPicPr>
@@ -7395,7 +7995,7 @@
       </p:pic>
       <p:pic>
         <p:nvPicPr>
-          <p:cNvPr id="72" name="Рисунок 4" descr="Изображение выглядит как Графика, Шрифт, логотип, символ&#10;&#10;Содержимое, созданное искусственным интеллектом, может быть неверным."/>
+          <p:cNvPr id="78" name="Рисунок 4" descr="Изображение выглядит как Графика, Шрифт, логотип, символ&#10;&#10;Содержимое, созданное искусственным интеллектом, может быть неверным."/>
           <p:cNvPicPr/>
           <p:nvPr/>
         </p:nvPicPr>
@@ -7419,7 +8019,7 @@
       </p:pic>
       <p:pic>
         <p:nvPicPr>
-          <p:cNvPr id="73" name="Рисунок 6" descr="Ultralytics - Crunchbase Company Profile &amp; Funding"/>
+          <p:cNvPr id="79" name="Рисунок 6" descr="Ultralytics - Crunchbase Company Profile &amp; Funding"/>
           <p:cNvPicPr/>
           <p:nvPr/>
         </p:nvPicPr>
@@ -7443,7 +8043,7 @@
       </p:pic>
       <p:pic>
         <p:nvPicPr>
-          <p:cNvPr id="74" name="Рисунок 8" descr="Изображение выглядит как Прямоугольник, дизайн, куб&#10;&#10;Содержимое, созданное искусственным интеллектом, может быть неверным."/>
+          <p:cNvPr id="80" name="Рисунок 8" descr="Изображение выглядит как Прямоугольник, дизайн, куб&#10;&#10;Содержимое, созданное искусственным интеллектом, может быть неверным."/>
           <p:cNvPicPr/>
           <p:nvPr/>
         </p:nvPicPr>
@@ -7467,7 +8067,7 @@
       </p:pic>
       <p:sp>
         <p:nvSpPr>
-          <p:cNvPr id="75" name="TextBox 10"/>
+          <p:cNvPr id="81" name="TextBox 10"/>
           <p:cNvSpPr/>
           <p:nvPr/>
         </p:nvSpPr>
@@ -7523,7 +8123,7 @@
       </p:sp>
       <p:sp>
         <p:nvSpPr>
-          <p:cNvPr id="76" name="TextBox 11"/>
+          <p:cNvPr id="82" name="TextBox 11"/>
           <p:cNvSpPr/>
           <p:nvPr/>
         </p:nvSpPr>
@@ -7608,7 +8208,7 @@
       </p:grpSpPr>
       <p:sp>
         <p:nvSpPr>
-          <p:cNvPr id="77" name="PlaceHolder 1"/>
+          <p:cNvPr id="83" name="PlaceHolder 1"/>
           <p:cNvSpPr>
             <a:spLocks noGrp="1"/>
           </p:cNvSpPr>
@@ -7662,7 +8262,7 @@
       </p:sp>
       <p:pic>
         <p:nvPicPr>
-          <p:cNvPr id="78" name="Рисунок 3" descr="Изображение выглядит как снимок экрана, круг, дизайн&#10;&#10;Содержимое, созданное искусственным интеллектом, может быть неверным."/>
+          <p:cNvPr id="84" name="Рисунок 3" descr="Изображение выглядит как снимок экрана, круг, дизайн&#10;&#10;Содержимое, созданное искусственным интеллектом, может быть неверным."/>
           <p:cNvPicPr/>
           <p:nvPr/>
         </p:nvPicPr>
@@ -7686,7 +8286,7 @@
       </p:pic>
       <p:pic>
         <p:nvPicPr>
-          <p:cNvPr id="79" name="Рисунок 1" descr=""/>
+          <p:cNvPr id="85" name="Рисунок 1" descr=""/>
           <p:cNvPicPr/>
           <p:nvPr/>
         </p:nvPicPr>
@@ -7710,7 +8310,7 @@
       </p:pic>
       <p:pic>
         <p:nvPicPr>
-          <p:cNvPr id="80" name="" descr=""/>
+          <p:cNvPr id="86" name="" descr=""/>
           <p:cNvPicPr/>
           <p:nvPr/>
         </p:nvPicPr>
@@ -7734,7 +8334,7 @@
       </p:pic>
       <p:pic>
         <p:nvPicPr>
-          <p:cNvPr id="81" name="" descr=""/>
+          <p:cNvPr id="87" name="" descr=""/>
           <p:cNvPicPr/>
           <p:nvPr/>
         </p:nvPicPr>
@@ -7788,7 +8388,7 @@
       </p:grpSpPr>
       <p:sp>
         <p:nvSpPr>
-          <p:cNvPr id="82" name="PlaceHolder 1"/>
+          <p:cNvPr id="88" name="PlaceHolder 1"/>
           <p:cNvSpPr>
             <a:spLocks noGrp="1"/>
           </p:cNvSpPr>
